--- a/Aulas/ApresentacaoEIntroducaoAESSGraduacao/CourseOverview.pptx
+++ b/Aulas/ApresentacaoEIntroducaoAESSGraduacao/CourseOverview.pptx
@@ -7,6 +7,9 @@
   <p:notesMasterIdLst>
     <p:notesMasterId r:id="rId30"/>
   </p:notesMasterIdLst>
+  <p:handoutMasterIdLst>
+    <p:handoutMasterId r:id="rId31"/>
+  </p:handoutMasterIdLst>
   <p:sldIdLst>
     <p:sldId id="256" r:id="rId2"/>
     <p:sldId id="257" r:id="rId3"/>
@@ -340,6 +343,166 @@
 </p:presentation>
 </file>
 
+<file path=ppt/handoutMasters/handoutMaster1.xml><?xml version="1.0" encoding="utf-8"?>
+<p:handoutMaster xmlns:a="http://schemas.openxmlformats.org/drawingml/2006/main" xmlns:r="http://schemas.openxmlformats.org/officeDocument/2006/relationships" xmlns:p="http://schemas.openxmlformats.org/presentationml/2006/main">
+  <p:cSld>
+    <p:bg>
+      <p:bgRef idx="1001">
+        <a:schemeClr val="bg1"/>
+      </p:bgRef>
+    </p:bg>
+    <p:spTree>
+      <p:nvGrpSpPr>
+        <p:cNvPr id="1" name=""/>
+        <p:cNvGrpSpPr/>
+        <p:nvPr/>
+      </p:nvGrpSpPr>
+      <p:grpSpPr>
+        <a:xfrm>
+          <a:off x="0" y="0"/>
+          <a:ext cx="0" cy="0"/>
+          <a:chOff x="0" y="0"/>
+          <a:chExt cx="0" cy="0"/>
+        </a:xfrm>
+      </p:grpSpPr>
+      <p:sp>
+        <p:nvSpPr>
+          <p:cNvPr id="2" name="Espaço Reservado para Cabeçalho 1"/>
+          <p:cNvSpPr>
+            <a:spLocks noGrp="1"/>
+          </p:cNvSpPr>
+          <p:nvPr>
+            <p:ph type="hdr" sz="quarter"/>
+          </p:nvPr>
+        </p:nvSpPr>
+        <p:spPr>
+          <a:xfrm>
+            <a:off x="0" y="0"/>
+            <a:ext cx="2971800" cy="457200"/>
+          </a:xfrm>
+          <a:prstGeom prst="rect">
+            <a:avLst/>
+          </a:prstGeom>
+        </p:spPr>
+        <p:txBody>
+          <a:bodyPr vert="horz" lIns="91440" tIns="45720" rIns="91440" bIns="45720" rtlCol="0"/>
+          <a:lstStyle>
+            <a:lvl1pPr algn="l">
+              <a:defRPr sz="1200"/>
+            </a:lvl1pPr>
+          </a:lstStyle>
+          <a:p>
+            <a:endParaRPr lang="pt-BR"/>
+          </a:p>
+        </p:txBody>
+      </p:sp>
+      <p:sp>
+        <p:nvSpPr>
+          <p:cNvPr id="3" name="Espaço Reservado para Data 2"/>
+          <p:cNvSpPr>
+            <a:spLocks noGrp="1"/>
+          </p:cNvSpPr>
+          <p:nvPr>
+            <p:ph type="dt" sz="quarter" idx="1"/>
+          </p:nvPr>
+        </p:nvSpPr>
+        <p:spPr>
+          <a:xfrm>
+            <a:off x="3884613" y="0"/>
+            <a:ext cx="2971800" cy="457200"/>
+          </a:xfrm>
+          <a:prstGeom prst="rect">
+            <a:avLst/>
+          </a:prstGeom>
+        </p:spPr>
+        <p:txBody>
+          <a:bodyPr vert="horz" lIns="91440" tIns="45720" rIns="91440" bIns="45720" rtlCol="0"/>
+          <a:lstStyle>
+            <a:lvl1pPr algn="r">
+              <a:defRPr sz="1200"/>
+            </a:lvl1pPr>
+          </a:lstStyle>
+          <a:p>
+            <a:fld id="{EED5AEC4-652B-405F-8573-46FA33FB99EB}" type="datetimeFigureOut">
+              <a:rPr lang="pt-BR" smtClean="0"/>
+              <a:t>12/7/2022</a:t>
+            </a:fld>
+            <a:endParaRPr lang="pt-BR"/>
+          </a:p>
+        </p:txBody>
+      </p:sp>
+      <p:sp>
+        <p:nvSpPr>
+          <p:cNvPr id="4" name="Espaço Reservado para Rodapé 3"/>
+          <p:cNvSpPr>
+            <a:spLocks noGrp="1"/>
+          </p:cNvSpPr>
+          <p:nvPr>
+            <p:ph type="ftr" sz="quarter" idx="2"/>
+          </p:nvPr>
+        </p:nvSpPr>
+        <p:spPr>
+          <a:xfrm>
+            <a:off x="0" y="8685213"/>
+            <a:ext cx="2971800" cy="457200"/>
+          </a:xfrm>
+          <a:prstGeom prst="rect">
+            <a:avLst/>
+          </a:prstGeom>
+        </p:spPr>
+        <p:txBody>
+          <a:bodyPr vert="horz" lIns="91440" tIns="45720" rIns="91440" bIns="45720" rtlCol="0" anchor="b"/>
+          <a:lstStyle>
+            <a:lvl1pPr algn="l">
+              <a:defRPr sz="1200"/>
+            </a:lvl1pPr>
+          </a:lstStyle>
+          <a:p>
+            <a:endParaRPr lang="pt-BR"/>
+          </a:p>
+        </p:txBody>
+      </p:sp>
+      <p:sp>
+        <p:nvSpPr>
+          <p:cNvPr id="5" name="Espaço Reservado para Número de Slide 4"/>
+          <p:cNvSpPr>
+            <a:spLocks noGrp="1"/>
+          </p:cNvSpPr>
+          <p:nvPr>
+            <p:ph type="sldNum" sz="quarter" idx="3"/>
+          </p:nvPr>
+        </p:nvSpPr>
+        <p:spPr>
+          <a:xfrm>
+            <a:off x="3884613" y="8685213"/>
+            <a:ext cx="2971800" cy="457200"/>
+          </a:xfrm>
+          <a:prstGeom prst="rect">
+            <a:avLst/>
+          </a:prstGeom>
+        </p:spPr>
+        <p:txBody>
+          <a:bodyPr vert="horz" lIns="91440" tIns="45720" rIns="91440" bIns="45720" rtlCol="0" anchor="b"/>
+          <a:lstStyle>
+            <a:lvl1pPr algn="r">
+              <a:defRPr sz="1200"/>
+            </a:lvl1pPr>
+          </a:lstStyle>
+          <a:p>
+            <a:fld id="{93C76067-058A-467A-B2FA-10ECAE40BF78}" type="slidenum">
+              <a:rPr lang="pt-BR" smtClean="0"/>
+              <a:t>‹nº›</a:t>
+            </a:fld>
+            <a:endParaRPr lang="pt-BR"/>
+          </a:p>
+        </p:txBody>
+      </p:sp>
+    </p:spTree>
+  </p:cSld>
+  <p:clrMap bg1="lt1" tx1="dk1" bg2="lt2" tx2="dk2" accent1="accent1" accent2="accent2" accent3="accent3" accent4="accent4" accent5="accent5" accent6="accent6" hlink="hlink" folHlink="folHlink"/>
+</p:handoutMaster>
+</file>
+
 <file path=ppt/notesMasters/notesMaster1.xml><?xml version="1.0" encoding="utf-8"?>
 <p:notesMaster xmlns:a="http://schemas.openxmlformats.org/drawingml/2006/main" xmlns:r="http://schemas.openxmlformats.org/officeDocument/2006/relationships" xmlns:p="http://schemas.openxmlformats.org/presentationml/2006/main">
   <p:cSld>
@@ -4453,7 +4616,7 @@
           </a:ln>
           <a:extLst>
             <a:ext uri="{C572A759-6A51-4108-AA02-DFA0A04FC94B}">
-              <ma14:wrappingTextBoxFlag xmlns="" xmlns:m="http://schemas.openxmlformats.org/officeDocument/2006/math" xmlns:a14="http://schemas.microsoft.com/office/drawing/2010/main" xmlns:ma14="http://schemas.microsoft.com/office/mac/drawingml/2011/main" val="1"/>
+              <ma14:wrappingTextBoxFlag xmlns:ma14="http://schemas.microsoft.com/office/mac/drawingml/2011/main" xmlns:a14="http://schemas.microsoft.com/office/drawing/2010/main" xmlns:m="http://schemas.openxmlformats.org/officeDocument/2006/math" xmlns="" val="1"/>
             </a:ext>
           </a:extLst>
         </p:spPr>
@@ -4514,7 +4677,7 @@
           </a:ln>
           <a:extLst>
             <a:ext uri="{C572A759-6A51-4108-AA02-DFA0A04FC94B}">
-              <ma14:wrappingTextBoxFlag xmlns="" xmlns:m="http://schemas.openxmlformats.org/officeDocument/2006/math" xmlns:a14="http://schemas.microsoft.com/office/drawing/2010/main" xmlns:ma14="http://schemas.microsoft.com/office/mac/drawingml/2011/main" val="1"/>
+              <ma14:wrappingTextBoxFlag xmlns:ma14="http://schemas.microsoft.com/office/mac/drawingml/2011/main" xmlns:a14="http://schemas.microsoft.com/office/drawing/2010/main" xmlns:m="http://schemas.openxmlformats.org/officeDocument/2006/math" xmlns="" val="1"/>
             </a:ext>
           </a:extLst>
         </p:spPr>
@@ -5322,6 +5485,14 @@
 <file path=ppt/slides/slide1.xml><?xml version="1.0" encoding="utf-8"?>
 <p:sld xmlns:a="http://schemas.openxmlformats.org/drawingml/2006/main" xmlns:r="http://schemas.openxmlformats.org/officeDocument/2006/relationships" xmlns:p="http://schemas.openxmlformats.org/presentationml/2006/main">
   <p:cSld>
+    <p:bg>
+      <p:bgPr>
+        <a:solidFill>
+          <a:srgbClr val="FFFFFF"/>
+        </a:solidFill>
+        <a:effectLst/>
+      </p:bgPr>
+    </p:bg>
     <p:spTree>
       <p:nvGrpSpPr>
         <p:cNvPr id="1" name=""/>
@@ -5362,33 +5533,66 @@
           <a:lstStyle/>
           <a:p>
             <a:r>
+              <a:rPr>
+                <a:solidFill>
+                  <a:schemeClr val="bg1"/>
+                </a:solidFill>
+              </a:rPr>
               <a:t>Software </a:t>
             </a:r>
             <a:r>
-              <a:rPr/>
+              <a:rPr>
+                <a:solidFill>
+                  <a:schemeClr val="bg1"/>
+                </a:solidFill>
+              </a:rPr>
               <a:t>and </a:t>
             </a:r>
             <a:r>
-              <a:rPr lang="en-US" dirty="0" smtClean="0"/>
+              <a:rPr lang="en-US" dirty="0" smtClean="0">
+                <a:solidFill>
+                  <a:schemeClr val="bg1"/>
+                </a:solidFill>
+              </a:rPr>
               <a:t>S</a:t>
             </a:r>
             <a:r>
-              <a:rPr smtClean="0"/>
+              <a:rPr smtClean="0">
+                <a:solidFill>
+                  <a:schemeClr val="bg1"/>
+                </a:solidFill>
+              </a:rPr>
               <a:t>ystems </a:t>
             </a:r>
             <a:r>
-              <a:rPr lang="en-US" dirty="0" smtClean="0"/>
+              <a:rPr lang="en-US" dirty="0" smtClean="0">
+                <a:solidFill>
+                  <a:schemeClr val="bg1"/>
+                </a:solidFill>
+              </a:rPr>
               <a:t>E</a:t>
             </a:r>
             <a:r>
-              <a:rPr smtClean="0"/>
+              <a:rPr smtClean="0">
+                <a:solidFill>
+                  <a:schemeClr val="bg1"/>
+                </a:solidFill>
+              </a:rPr>
               <a:t>ngineering</a:t>
             </a:r>
             <a:r>
-              <a:rPr lang="en-US" dirty="0" smtClean="0"/>
+              <a:rPr lang="en-US" dirty="0" smtClean="0">
+                <a:solidFill>
+                  <a:schemeClr val="bg1"/>
+                </a:solidFill>
+              </a:rPr>
               <a:t>*</a:t>
             </a:r>
-            <a:endParaRPr/>
+            <a:endParaRPr>
+              <a:solidFill>
+                <a:schemeClr val="bg1"/>
+              </a:solidFill>
+            </a:endParaRPr>
           </a:p>
         </p:txBody>
       </p:sp>
@@ -5416,21 +5620,42 @@
           <a:lstStyle/>
           <a:p>
             <a:r>
-              <a:rPr lang="en-US" dirty="0" smtClean="0"/>
+              <a:rPr lang="en-US" dirty="0" smtClean="0">
+                <a:solidFill>
+                  <a:schemeClr val="bg1"/>
+                </a:solidFill>
+              </a:rPr>
               <a:t>Marcelo </a:t>
             </a:r>
             <a:r>
-              <a:rPr lang="en-US" dirty="0" err="1" smtClean="0"/>
+              <a:rPr lang="en-US" dirty="0" err="1" smtClean="0">
+                <a:solidFill>
+                  <a:schemeClr val="bg1"/>
+                </a:solidFill>
+              </a:rPr>
               <a:t>d’Amorim</a:t>
             </a:r>
-            <a:endParaRPr/>
-          </a:p>
-          <a:p>
-            <a:r>
-              <a:rPr smtClean="0"/>
+            <a:endParaRPr>
+              <a:solidFill>
+                <a:schemeClr val="bg1"/>
+              </a:solidFill>
+            </a:endParaRPr>
+          </a:p>
+          <a:p>
+            <a:r>
+              <a:rPr smtClean="0">
+                <a:solidFill>
+                  <a:schemeClr val="bg1"/>
+                </a:solidFill>
+              </a:rPr>
               <a:t>Federal </a:t>
             </a:r>
             <a:r>
+              <a:rPr>
+                <a:solidFill>
+                  <a:schemeClr val="bg1"/>
+                </a:solidFill>
+              </a:rPr>
               <a:t>University of Pernambuco</a:t>
             </a:r>
           </a:p>
@@ -5455,7 +5680,7 @@
           </a:ln>
           <a:extLst>
             <a:ext uri="{C572A759-6A51-4108-AA02-DFA0A04FC94B}">
-              <ma14:wrappingTextBoxFlag xmlns="" xmlns:m="http://schemas.openxmlformats.org/officeDocument/2006/math" xmlns:a14="http://schemas.microsoft.com/office/drawing/2010/main" xmlns:ma14="http://schemas.microsoft.com/office/mac/drawingml/2011/main" val="1"/>
+              <ma14:wrappingTextBoxFlag xmlns:ma14="http://schemas.microsoft.com/office/mac/drawingml/2011/main" xmlns:a14="http://schemas.microsoft.com/office/drawing/2010/main" xmlns:m="http://schemas.openxmlformats.org/officeDocument/2006/math" xmlns="" val="1"/>
             </a:ext>
           </a:extLst>
         </p:spPr>
@@ -5668,6 +5893,14 @@
 <file path=ppt/slides/slide10.xml><?xml version="1.0" encoding="utf-8"?>
 <p:sld xmlns:a="http://schemas.openxmlformats.org/drawingml/2006/main" xmlns:r="http://schemas.openxmlformats.org/officeDocument/2006/relationships" xmlns:p="http://schemas.openxmlformats.org/presentationml/2006/main">
   <p:cSld>
+    <p:bg>
+      <p:bgPr>
+        <a:solidFill>
+          <a:srgbClr val="FFFFFF"/>
+        </a:solidFill>
+        <a:effectLst/>
+      </p:bgPr>
+    </p:bg>
     <p:spTree>
       <p:nvGrpSpPr>
         <p:cNvPr id="1" name=""/>
@@ -5702,6 +5935,11 @@
           <a:lstStyle/>
           <a:p>
             <a:r>
+              <a:rPr>
+                <a:solidFill>
+                  <a:schemeClr val="bg1"/>
+                </a:solidFill>
+              </a:rPr>
               <a:t>Course structure</a:t>
             </a:r>
           </a:p>
@@ -5755,6 +5993,14 @@
 <file path=ppt/slides/slide11.xml><?xml version="1.0" encoding="utf-8"?>
 <p:sld xmlns:a="http://schemas.openxmlformats.org/drawingml/2006/main" xmlns:r="http://schemas.openxmlformats.org/officeDocument/2006/relationships" xmlns:p="http://schemas.openxmlformats.org/presentationml/2006/main">
   <p:cSld>
+    <p:bg>
+      <p:bgPr>
+        <a:solidFill>
+          <a:srgbClr val="FFFFFF"/>
+        </a:solidFill>
+        <a:effectLst/>
+      </p:bgPr>
+    </p:bg>
     <p:spTree>
       <p:nvGrpSpPr>
         <p:cNvPr id="1" name=""/>
@@ -5793,10 +6039,18 @@
           <a:lstStyle/>
           <a:p>
             <a:r>
-              <a:rPr smtClean="0"/>
+              <a:rPr smtClean="0">
+                <a:solidFill>
+                  <a:schemeClr val="bg1"/>
+                </a:solidFill>
+              </a:rPr>
               <a:t>Systems</a:t>
             </a:r>
-            <a:endParaRPr/>
+            <a:endParaRPr>
+              <a:solidFill>
+                <a:schemeClr val="bg1"/>
+              </a:solidFill>
+            </a:endParaRPr>
           </a:p>
         </p:txBody>
       </p:sp>
@@ -5827,6 +6081,11 @@
               <a:defRPr sz="4000"/>
             </a:pPr>
             <a:r>
+              <a:rPr>
+                <a:solidFill>
+                  <a:schemeClr val="bg1"/>
+                </a:solidFill>
+              </a:rPr>
               <a:t>Non trivial system </a:t>
             </a:r>
           </a:p>
@@ -5835,6 +6094,11 @@
               <a:defRPr sz="4000"/>
             </a:pPr>
             <a:r>
+              <a:rPr>
+                <a:solidFill>
+                  <a:schemeClr val="bg1"/>
+                </a:solidFill>
+              </a:rPr>
               <a:t>Frequent access to the stakeholders is mandatory</a:t>
             </a:r>
           </a:p>
@@ -5843,17 +6107,34 @@
               <a:defRPr sz="4000"/>
             </a:pPr>
             <a:r>
+              <a:rPr>
+                <a:solidFill>
+                  <a:schemeClr val="bg1"/>
+                </a:solidFill>
+              </a:rPr>
               <a:t>Developed with the technology used in the example discussed in </a:t>
             </a:r>
             <a:r>
-              <a:rPr/>
+              <a:rPr>
+                <a:solidFill>
+                  <a:schemeClr val="bg1"/>
+                </a:solidFill>
+              </a:rPr>
               <a:t>the </a:t>
             </a:r>
             <a:r>
-              <a:rPr smtClean="0"/>
+              <a:rPr smtClean="0">
+                <a:solidFill>
+                  <a:schemeClr val="bg1"/>
+                </a:solidFill>
+              </a:rPr>
               <a:t>course</a:t>
             </a:r>
-            <a:endParaRPr/>
+            <a:endParaRPr>
+              <a:solidFill>
+                <a:schemeClr val="bg1"/>
+              </a:solidFill>
+            </a:endParaRPr>
           </a:p>
         </p:txBody>
       </p:sp>
@@ -5876,6 +6157,14 @@
 <file path=ppt/slides/slide12.xml><?xml version="1.0" encoding="utf-8"?>
 <p:sld xmlns:a="http://schemas.openxmlformats.org/drawingml/2006/main" xmlns:r="http://schemas.openxmlformats.org/officeDocument/2006/relationships" xmlns:p="http://schemas.openxmlformats.org/presentationml/2006/main">
   <p:cSld>
+    <p:bg>
+      <p:bgPr>
+        <a:solidFill>
+          <a:srgbClr val="FFFFFF"/>
+        </a:solidFill>
+        <a:effectLst/>
+      </p:bgPr>
+    </p:bg>
     <p:spTree>
       <p:nvGrpSpPr>
         <p:cNvPr id="1" name=""/>
@@ -5911,6 +6200,11 @@
           <a:p>
             <a:pPr lvl="1"/>
             <a:r>
+              <a:rPr>
+                <a:solidFill>
+                  <a:schemeClr val="bg1"/>
+                </a:solidFill>
+              </a:rPr>
               <a:t>My expectations</a:t>
             </a:r>
           </a:p>
@@ -5943,17 +6237,27 @@
               <a:defRPr sz="3800"/>
             </a:pPr>
             <a:r>
+              <a:rPr>
+                <a:solidFill>
+                  <a:schemeClr val="bg1"/>
+                </a:solidFill>
+              </a:rPr>
               <a:t>Ethical behavior (</a:t>
             </a:r>
             <a:r>
               <a:rPr>
                 <a:solidFill>
-                  <a:srgbClr val="FEFB27"/>
+                  <a:schemeClr val="bg1"/>
                 </a:solidFill>
               </a:rPr>
               <a:t>fraud implies in failing the course</a:t>
             </a:r>
             <a:r>
+              <a:rPr>
+                <a:solidFill>
+                  <a:schemeClr val="bg1"/>
+                </a:solidFill>
+              </a:rPr>
               <a:t>)</a:t>
             </a:r>
           </a:p>
@@ -5962,7 +6266,11 @@
               <a:defRPr sz="3800"/>
             </a:pPr>
             <a:r>
-              <a:rPr lang="en-US" dirty="0" smtClean="0"/>
+              <a:rPr lang="en-US" dirty="0" smtClean="0">
+                <a:solidFill>
+                  <a:schemeClr val="bg1"/>
+                </a:solidFill>
+              </a:rPr>
               <a:t>Engagement!</a:t>
             </a:r>
           </a:p>
@@ -5971,7 +6279,11 @@
               <a:defRPr sz="3800"/>
             </a:pPr>
             <a:r>
-              <a:rPr lang="en-US" dirty="0" smtClean="0"/>
+              <a:rPr lang="en-US" dirty="0" smtClean="0">
+                <a:solidFill>
+                  <a:schemeClr val="bg1"/>
+                </a:solidFill>
+              </a:rPr>
               <a:t>Ask questions</a:t>
             </a:r>
           </a:p>
@@ -5980,21 +6292,35 @@
               <a:defRPr sz="3800"/>
             </a:pPr>
             <a:r>
-              <a:rPr smtClean="0"/>
+              <a:rPr smtClean="0">
+                <a:solidFill>
+                  <a:schemeClr val="bg1"/>
+                </a:solidFill>
+              </a:rPr>
               <a:t>Attendance </a:t>
             </a:r>
             <a:r>
+              <a:rPr>
+                <a:solidFill>
+                  <a:schemeClr val="bg1"/>
+                </a:solidFill>
+              </a:rPr>
               <a:t>to all classes and evaluation sessions (unless progress is shown </a:t>
             </a:r>
             <a:r>
               <a:rPr>
                 <a:solidFill>
-                  <a:srgbClr val="FEFB27"/>
+                  <a:schemeClr val="bg1"/>
                 </a:solidFill>
               </a:rPr>
               <a:t>before</a:t>
             </a:r>
             <a:r>
+              <a:rPr>
+                <a:solidFill>
+                  <a:schemeClr val="bg1"/>
+                </a:solidFill>
+              </a:rPr>
               <a:t> class)</a:t>
             </a:r>
           </a:p>
@@ -6003,20 +6329,37 @@
               <a:defRPr sz="3800"/>
             </a:pPr>
             <a:r>
-              <a:rPr smtClean="0"/>
+              <a:rPr smtClean="0">
+                <a:solidFill>
+                  <a:schemeClr val="bg1"/>
+                </a:solidFill>
+              </a:rPr>
               <a:t>Punctuality</a:t>
             </a:r>
-            <a:endParaRPr lang="en-US" dirty="0" smtClean="0"/>
+            <a:endParaRPr lang="en-US" dirty="0" smtClean="0">
+              <a:solidFill>
+                <a:schemeClr val="bg1"/>
+              </a:solidFill>
+            </a:endParaRPr>
           </a:p>
           <a:p>
             <a:pPr marL="834571" indent="-517071">
               <a:defRPr sz="3800"/>
             </a:pPr>
             <a:r>
-              <a:rPr smtClean="0"/>
+              <a:rPr smtClean="0">
+                <a:solidFill>
+                  <a:schemeClr val="bg1"/>
+                </a:solidFill>
+              </a:rPr>
               <a:t>Good </a:t>
             </a:r>
             <a:r>
+              <a:rPr>
+                <a:solidFill>
+                  <a:schemeClr val="bg1"/>
+                </a:solidFill>
+              </a:rPr>
               <a:t>time management and minimum dedication of 10-12 hours a week (including classes)</a:t>
             </a:r>
           </a:p>
@@ -6025,6 +6368,11 @@
               <a:defRPr sz="3800"/>
             </a:pPr>
             <a:r>
+              <a:rPr>
+                <a:solidFill>
+                  <a:schemeClr val="bg1"/>
+                </a:solidFill>
+              </a:rPr>
               <a:t>Behave as CS elite</a:t>
             </a:r>
           </a:p>
@@ -6049,6 +6397,14 @@
 <file path=ppt/slides/slide13.xml><?xml version="1.0" encoding="utf-8"?>
 <p:sld xmlns:a="http://schemas.openxmlformats.org/drawingml/2006/main" xmlns:r="http://schemas.openxmlformats.org/officeDocument/2006/relationships" xmlns:p="http://schemas.openxmlformats.org/presentationml/2006/main">
   <p:cSld>
+    <p:bg>
+      <p:bgPr>
+        <a:solidFill>
+          <a:srgbClr val="FFFFFF"/>
+        </a:solidFill>
+        <a:effectLst/>
+      </p:bgPr>
+    </p:bg>
     <p:spTree>
       <p:nvGrpSpPr>
         <p:cNvPr id="1" name=""/>
@@ -6083,6 +6439,11 @@
           <a:lstStyle/>
           <a:p>
             <a:r>
+              <a:rPr>
+                <a:solidFill>
+                  <a:schemeClr val="bg1"/>
+                </a:solidFill>
+              </a:rPr>
               <a:t>Textbook</a:t>
             </a:r>
           </a:p>
@@ -6107,7 +6468,7 @@
           </a:ln>
           <a:extLst>
             <a:ext uri="{C572A759-6A51-4108-AA02-DFA0A04FC94B}">
-              <ma14:wrappingTextBoxFlag xmlns="" xmlns:m="http://schemas.openxmlformats.org/officeDocument/2006/math" xmlns:a14="http://schemas.microsoft.com/office/drawing/2010/main" xmlns:ma14="http://schemas.microsoft.com/office/mac/drawingml/2011/main" val="1"/>
+              <ma14:wrappingTextBoxFlag xmlns:ma14="http://schemas.microsoft.com/office/mac/drawingml/2011/main" xmlns:a14="http://schemas.microsoft.com/office/drawing/2010/main" xmlns:m="http://schemas.openxmlformats.org/officeDocument/2006/math" xmlns="" val="1"/>
             </a:ext>
           </a:extLst>
         </p:spPr>
@@ -6255,6 +6616,14 @@
 <file path=ppt/slides/slide14.xml><?xml version="1.0" encoding="utf-8"?>
 <p:sld xmlns:a="http://schemas.openxmlformats.org/drawingml/2006/main" xmlns:r="http://schemas.openxmlformats.org/officeDocument/2006/relationships" xmlns:p="http://schemas.openxmlformats.org/presentationml/2006/main">
   <p:cSld>
+    <p:bg>
+      <p:bgPr>
+        <a:solidFill>
+          <a:srgbClr val="FFFFFF"/>
+        </a:solidFill>
+        <a:effectLst/>
+      </p:bgPr>
+    </p:bg>
     <p:spTree>
       <p:nvGrpSpPr>
         <p:cNvPr id="1" name=""/>
@@ -6293,6 +6662,11 @@
           <a:lstStyle/>
           <a:p>
             <a:r>
+              <a:rPr>
+                <a:solidFill>
+                  <a:schemeClr val="bg1"/>
+                </a:solidFill>
+              </a:rPr>
               <a:t>You should primarily study by reading the textbook!</a:t>
             </a:r>
           </a:p>
@@ -6317,7 +6691,7 @@
           </a:ln>
           <a:extLst>
             <a:ext uri="{C572A759-6A51-4108-AA02-DFA0A04FC94B}">
-              <ma14:wrappingTextBoxFlag xmlns="" xmlns:m="http://schemas.openxmlformats.org/officeDocument/2006/math" xmlns:a14="http://schemas.microsoft.com/office/drawing/2010/main" xmlns:ma14="http://schemas.microsoft.com/office/mac/drawingml/2011/main" val="1"/>
+              <ma14:wrappingTextBoxFlag xmlns:ma14="http://schemas.microsoft.com/office/mac/drawingml/2011/main" xmlns:a14="http://schemas.microsoft.com/office/drawing/2010/main" xmlns:m="http://schemas.openxmlformats.org/officeDocument/2006/math" xmlns="" val="1"/>
             </a:ext>
           </a:extLst>
         </p:spPr>
@@ -6385,6 +6759,14 @@
 <file path=ppt/slides/slide15.xml><?xml version="1.0" encoding="utf-8"?>
 <p:sld xmlns:a="http://schemas.openxmlformats.org/drawingml/2006/main" xmlns:r="http://schemas.openxmlformats.org/officeDocument/2006/relationships" xmlns:p="http://schemas.openxmlformats.org/presentationml/2006/main">
   <p:cSld>
+    <p:bg>
+      <p:bgPr>
+        <a:solidFill>
+          <a:srgbClr val="FFFFFF"/>
+        </a:solidFill>
+        <a:effectLst/>
+      </p:bgPr>
+    </p:bg>
     <p:spTree>
       <p:nvGrpSpPr>
         <p:cNvPr id="1" name=""/>
@@ -6423,6 +6805,11 @@
           <a:lstStyle/>
           <a:p>
             <a:r>
+              <a:rPr>
+                <a:solidFill>
+                  <a:schemeClr val="bg1"/>
+                </a:solidFill>
+              </a:rPr>
               <a:t>Classes are for discussing the material studied before the class</a:t>
             </a:r>
           </a:p>
@@ -6447,7 +6834,7 @@
           </a:ln>
           <a:extLst>
             <a:ext uri="{C572A759-6A51-4108-AA02-DFA0A04FC94B}">
-              <ma14:wrappingTextBoxFlag xmlns="" xmlns:m="http://schemas.openxmlformats.org/officeDocument/2006/math" xmlns:a14="http://schemas.microsoft.com/office/drawing/2010/main" xmlns:ma14="http://schemas.microsoft.com/office/mac/drawingml/2011/main" val="1"/>
+              <ma14:wrappingTextBoxFlag xmlns:ma14="http://schemas.microsoft.com/office/mac/drawingml/2011/main" xmlns:a14="http://schemas.microsoft.com/office/drawing/2010/main" xmlns:m="http://schemas.openxmlformats.org/officeDocument/2006/math" xmlns="" val="1"/>
             </a:ext>
           </a:extLst>
         </p:spPr>
@@ -6516,6 +6903,14 @@
 <file path=ppt/slides/slide16.xml><?xml version="1.0" encoding="utf-8"?>
 <p:sld xmlns:a="http://schemas.openxmlformats.org/drawingml/2006/main" xmlns:r="http://schemas.openxmlformats.org/officeDocument/2006/relationships" xmlns:p="http://schemas.openxmlformats.org/presentationml/2006/main">
   <p:cSld>
+    <p:bg>
+      <p:bgPr>
+        <a:solidFill>
+          <a:srgbClr val="FFFFFF"/>
+        </a:solidFill>
+        <a:effectLst/>
+      </p:bgPr>
+    </p:bg>
     <p:spTree>
       <p:nvGrpSpPr>
         <p:cNvPr id="1" name=""/>
@@ -6556,13 +6951,22 @@
             <a:pPr>
               <a:defRPr sz="7900"/>
             </a:pPr>
-            <a:endParaRPr/>
+            <a:endParaRPr>
+              <a:solidFill>
+                <a:schemeClr val="bg1"/>
+              </a:solidFill>
+            </a:endParaRPr>
           </a:p>
           <a:p>
             <a:pPr>
               <a:defRPr sz="10800"/>
             </a:pPr>
             <a:r>
+              <a:rPr>
+                <a:solidFill>
+                  <a:schemeClr val="bg1"/>
+                </a:solidFill>
+              </a:rPr>
               <a:t>Manage your time!</a:t>
             </a:r>
           </a:p>
@@ -6570,7 +6974,11 @@
             <a:pPr>
               <a:defRPr sz="7900"/>
             </a:pPr>
-            <a:endParaRPr/>
+            <a:endParaRPr>
+              <a:solidFill>
+                <a:schemeClr val="bg1"/>
+              </a:solidFill>
+            </a:endParaRPr>
           </a:p>
           <a:p>
             <a:pPr>
@@ -6581,6 +6989,11 @@
               </a:defRPr>
             </a:pPr>
             <a:r>
+              <a:rPr>
+                <a:solidFill>
+                  <a:schemeClr val="bg1"/>
+                </a:solidFill>
+              </a:rPr>
               <a:t>Make sure you make the most of this opportunity!</a:t>
             </a:r>
           </a:p>
@@ -6605,6 +7018,14 @@
 <file path=ppt/slides/slide17.xml><?xml version="1.0" encoding="utf-8"?>
 <p:sld xmlns:a="http://schemas.openxmlformats.org/drawingml/2006/main" xmlns:r="http://schemas.openxmlformats.org/officeDocument/2006/relationships" xmlns:p="http://schemas.openxmlformats.org/presentationml/2006/main">
   <p:cSld>
+    <p:bg>
+      <p:bgPr>
+        <a:solidFill>
+          <a:srgbClr val="FFFFFF"/>
+        </a:solidFill>
+        <a:effectLst/>
+      </p:bgPr>
+    </p:bg>
     <p:spTree>
       <p:nvGrpSpPr>
         <p:cNvPr id="1" name=""/>
@@ -6654,74 +7075,146 @@
               <a:defRPr u="none"/>
             </a:pPr>
             <a:r>
-              <a:rPr lang="pt-BR" sz="4800" dirty="0" err="1" smtClean="0"/>
+              <a:rPr lang="pt-BR" sz="4800" dirty="0" err="1" smtClean="0">
+                <a:solidFill>
+                  <a:schemeClr val="bg1"/>
+                </a:solidFill>
+              </a:rPr>
               <a:t>Classroom</a:t>
             </a:r>
             <a:r>
-              <a:rPr lang="pt-BR" sz="4800" dirty="0" smtClean="0"/>
+              <a:rPr lang="pt-BR" sz="4800" dirty="0" smtClean="0">
+                <a:solidFill>
+                  <a:schemeClr val="bg1"/>
+                </a:solidFill>
+              </a:rPr>
               <a:t/>
             </a:r>
             <a:br>
-              <a:rPr lang="pt-BR" sz="4800" dirty="0" smtClean="0"/>
+              <a:rPr lang="pt-BR" sz="4800" dirty="0" smtClean="0">
+                <a:solidFill>
+                  <a:schemeClr val="bg1"/>
+                </a:solidFill>
+              </a:rPr>
             </a:br>
             <a:r>
-              <a:rPr lang="pt-BR" sz="4800" dirty="0" smtClean="0"/>
+              <a:rPr lang="pt-BR" sz="4800" dirty="0" smtClean="0">
+                <a:solidFill>
+                  <a:schemeClr val="bg1"/>
+                </a:solidFill>
+              </a:rPr>
               <a:t/>
             </a:r>
             <a:br>
-              <a:rPr lang="pt-BR" sz="4800" dirty="0" smtClean="0"/>
+              <a:rPr lang="pt-BR" sz="4800" dirty="0" smtClean="0">
+                <a:solidFill>
+                  <a:schemeClr val="bg1"/>
+                </a:solidFill>
+              </a:rPr>
             </a:br>
             <a:r>
-              <a:rPr lang="pt-BR" sz="4800" dirty="0" err="1" smtClean="0"/>
+              <a:rPr lang="pt-BR" sz="4800" dirty="0" err="1" smtClean="0">
+                <a:solidFill>
+                  <a:schemeClr val="bg1"/>
+                </a:solidFill>
+              </a:rPr>
               <a:t>GitHub</a:t>
             </a:r>
             <a:r>
-              <a:rPr lang="pt-BR" sz="4800" dirty="0" smtClean="0"/>
+              <a:rPr lang="pt-BR" sz="4800" dirty="0" smtClean="0">
+                <a:solidFill>
+                  <a:schemeClr val="bg1"/>
+                </a:solidFill>
+              </a:rPr>
               <a:t> (slides): </a:t>
             </a:r>
             <a:r>
-              <a:rPr lang="pt-BR" sz="4800" dirty="0" err="1" smtClean="0"/>
+              <a:rPr lang="pt-BR" sz="4800" dirty="0" err="1" smtClean="0">
+                <a:solidFill>
+                  <a:schemeClr val="bg1"/>
+                </a:solidFill>
+              </a:rPr>
               <a:t>damorim</a:t>
             </a:r>
             <a:r>
-              <a:rPr lang="pt-BR" sz="4800" dirty="0" smtClean="0"/>
+              <a:rPr lang="pt-BR" sz="4800" dirty="0" smtClean="0">
+                <a:solidFill>
+                  <a:schemeClr val="bg1"/>
+                </a:solidFill>
+              </a:rPr>
               <a:t>/</a:t>
             </a:r>
             <a:r>
-              <a:rPr lang="pt-BR" sz="4800" dirty="0" err="1" smtClean="0"/>
+              <a:rPr lang="pt-BR" sz="4800" dirty="0" err="1" smtClean="0">
+                <a:solidFill>
+                  <a:schemeClr val="bg1"/>
+                </a:solidFill>
+              </a:rPr>
               <a:t>software-engineering-courses</a:t>
             </a:r>
             <a:r>
-              <a:rPr lang="pt-BR" sz="4800" dirty="0" smtClean="0"/>
+              <a:rPr lang="pt-BR" sz="4800" dirty="0" smtClean="0">
+                <a:solidFill>
+                  <a:schemeClr val="bg1"/>
+                </a:solidFill>
+              </a:rPr>
               <a:t/>
             </a:r>
             <a:br>
-              <a:rPr lang="pt-BR" sz="4800" dirty="0" smtClean="0"/>
+              <a:rPr lang="pt-BR" sz="4800" dirty="0" smtClean="0">
+                <a:solidFill>
+                  <a:schemeClr val="bg1"/>
+                </a:solidFill>
+              </a:rPr>
             </a:br>
             <a:r>
-              <a:rPr lang="pt-BR" sz="4800" dirty="0" smtClean="0"/>
+              <a:rPr lang="pt-BR" sz="4800" dirty="0" smtClean="0">
+                <a:solidFill>
+                  <a:schemeClr val="bg1"/>
+                </a:solidFill>
+              </a:rPr>
               <a:t/>
             </a:r>
             <a:br>
-              <a:rPr lang="pt-BR" sz="4800" dirty="0" smtClean="0"/>
+              <a:rPr lang="pt-BR" sz="4800" dirty="0" smtClean="0">
+                <a:solidFill>
+                  <a:schemeClr val="bg1"/>
+                </a:solidFill>
+              </a:rPr>
             </a:br>
             <a:r>
-              <a:rPr lang="pt-BR" sz="4800" dirty="0" smtClean="0"/>
+              <a:rPr lang="pt-BR" sz="4800" dirty="0" smtClean="0">
+                <a:solidFill>
+                  <a:schemeClr val="bg1"/>
+                </a:solidFill>
+              </a:rPr>
               <a:t/>
             </a:r>
             <a:br>
-              <a:rPr lang="pt-BR" sz="4800" dirty="0" smtClean="0"/>
+              <a:rPr lang="pt-BR" sz="4800" dirty="0" smtClean="0">
+                <a:solidFill>
+                  <a:schemeClr val="bg1"/>
+                </a:solidFill>
+              </a:rPr>
             </a:br>
             <a:r>
-              <a:rPr lang="pt-BR" sz="4800" dirty="0" smtClean="0"/>
+              <a:rPr lang="pt-BR" sz="4800" dirty="0" smtClean="0">
+                <a:solidFill>
+                  <a:schemeClr val="bg1"/>
+                </a:solidFill>
+              </a:rPr>
               <a:t/>
             </a:r>
             <a:br>
-              <a:rPr lang="pt-BR" sz="4800" dirty="0" smtClean="0"/>
+              <a:rPr lang="pt-BR" sz="4800" dirty="0" smtClean="0">
+                <a:solidFill>
+                  <a:schemeClr val="bg1"/>
+                </a:solidFill>
+              </a:rPr>
             </a:br>
             <a:endParaRPr sz="4800" u="none">
               <a:solidFill>
-                <a:srgbClr val="FF0000"/>
+                <a:schemeClr val="bg1"/>
               </a:solidFill>
               <a:latin typeface="Agency FB" pitchFamily="34" charset="0"/>
               <a:hlinkClick r:id="rId3"/>
@@ -6748,7 +7241,7 @@
           </a:ln>
           <a:extLst>
             <a:ext uri="{C572A759-6A51-4108-AA02-DFA0A04FC94B}">
-              <ma14:wrappingTextBoxFlag xmlns="" xmlns:m="http://schemas.openxmlformats.org/officeDocument/2006/math" xmlns:a14="http://schemas.microsoft.com/office/drawing/2010/main" xmlns:ma14="http://schemas.microsoft.com/office/mac/drawingml/2011/main" val="1"/>
+              <ma14:wrappingTextBoxFlag xmlns:ma14="http://schemas.microsoft.com/office/mac/drawingml/2011/main" xmlns:a14="http://schemas.microsoft.com/office/drawing/2010/main" xmlns:m="http://schemas.openxmlformats.org/officeDocument/2006/math" xmlns="" val="1"/>
             </a:ext>
           </a:extLst>
         </p:spPr>
@@ -6794,6 +7287,14 @@
 <file path=ppt/slides/slide18.xml><?xml version="1.0" encoding="utf-8"?>
 <p:sld xmlns:a="http://schemas.openxmlformats.org/drawingml/2006/main" xmlns:r="http://schemas.openxmlformats.org/officeDocument/2006/relationships" xmlns:p="http://schemas.openxmlformats.org/presentationml/2006/main">
   <p:cSld>
+    <p:bg>
+      <p:bgPr>
+        <a:solidFill>
+          <a:srgbClr val="FFFFFF"/>
+        </a:solidFill>
+        <a:effectLst/>
+      </p:bgPr>
+    </p:bg>
     <p:spTree>
       <p:nvGrpSpPr>
         <p:cNvPr id="1" name=""/>
@@ -6827,7 +7328,7 @@
           </a:ln>
           <a:extLst>
             <a:ext uri="{C572A759-6A51-4108-AA02-DFA0A04FC94B}">
-              <ma14:wrappingTextBoxFlag xmlns="" xmlns:m="http://schemas.openxmlformats.org/officeDocument/2006/math" xmlns:a14="http://schemas.microsoft.com/office/drawing/2010/main" xmlns:ma14="http://schemas.microsoft.com/office/mac/drawingml/2011/main" val="1"/>
+              <ma14:wrappingTextBoxFlag xmlns:ma14="http://schemas.microsoft.com/office/mac/drawingml/2011/main" xmlns:a14="http://schemas.microsoft.com/office/drawing/2010/main" xmlns:m="http://schemas.openxmlformats.org/officeDocument/2006/math" xmlns="" val="1"/>
             </a:ext>
           </a:extLst>
         </p:spPr>
@@ -6871,7 +7372,7 @@
           </a:ln>
           <a:extLst>
             <a:ext uri="{C572A759-6A51-4108-AA02-DFA0A04FC94B}">
-              <ma14:wrappingTextBoxFlag xmlns="" xmlns:m="http://schemas.openxmlformats.org/officeDocument/2006/math" xmlns:a14="http://schemas.microsoft.com/office/drawing/2010/main" xmlns:ma14="http://schemas.microsoft.com/office/mac/drawingml/2011/main" val="1"/>
+              <ma14:wrappingTextBoxFlag xmlns:ma14="http://schemas.microsoft.com/office/mac/drawingml/2011/main" xmlns:a14="http://schemas.microsoft.com/office/drawing/2010/main" xmlns:m="http://schemas.openxmlformats.org/officeDocument/2006/math" xmlns="" val="1"/>
             </a:ext>
           </a:extLst>
         </p:spPr>
@@ -6922,6 +7423,14 @@
 <file path=ppt/slides/slide19.xml><?xml version="1.0" encoding="utf-8"?>
 <p:sld xmlns:a="http://schemas.openxmlformats.org/drawingml/2006/main" xmlns:r="http://schemas.openxmlformats.org/officeDocument/2006/relationships" xmlns:p="http://schemas.openxmlformats.org/presentationml/2006/main">
   <p:cSld>
+    <p:bg>
+      <p:bgPr>
+        <a:solidFill>
+          <a:srgbClr val="FFFFFF"/>
+        </a:solidFill>
+        <a:effectLst/>
+      </p:bgPr>
+    </p:bg>
     <p:spTree>
       <p:nvGrpSpPr>
         <p:cNvPr id="1" name=""/>
@@ -6956,6 +7465,11 @@
           <a:lstStyle/>
           <a:p>
             <a:r>
+              <a:rPr>
+                <a:solidFill>
+                  <a:schemeClr val="bg1"/>
+                </a:solidFill>
+              </a:rPr>
               <a:t>Communication</a:t>
             </a:r>
           </a:p>
@@ -6980,7 +7494,7 @@
           </a:ln>
           <a:extLst>
             <a:ext uri="{C572A759-6A51-4108-AA02-DFA0A04FC94B}">
-              <ma14:wrappingTextBoxFlag xmlns="" xmlns:m="http://schemas.openxmlformats.org/officeDocument/2006/math" xmlns:a14="http://schemas.microsoft.com/office/drawing/2010/main" xmlns:ma14="http://schemas.microsoft.com/office/mac/drawingml/2011/main" val="1"/>
+              <ma14:wrappingTextBoxFlag xmlns:ma14="http://schemas.microsoft.com/office/mac/drawingml/2011/main" xmlns:a14="http://schemas.microsoft.com/office/drawing/2010/main" xmlns:m="http://schemas.openxmlformats.org/officeDocument/2006/math" xmlns="" val="1"/>
             </a:ext>
           </a:extLst>
         </p:spPr>
@@ -7030,7 +7544,7 @@
           </a:ln>
           <a:extLst>
             <a:ext uri="{C572A759-6A51-4108-AA02-DFA0A04FC94B}">
-              <ma14:wrappingTextBoxFlag xmlns="" xmlns:m="http://schemas.openxmlformats.org/officeDocument/2006/math" xmlns:a14="http://schemas.microsoft.com/office/drawing/2010/main" xmlns:ma14="http://schemas.microsoft.com/office/mac/drawingml/2011/main" val="1"/>
+              <ma14:wrappingTextBoxFlag xmlns:ma14="http://schemas.microsoft.com/office/mac/drawingml/2011/main" xmlns:a14="http://schemas.microsoft.com/office/drawing/2010/main" xmlns:m="http://schemas.openxmlformats.org/officeDocument/2006/math" xmlns="" val="1"/>
             </a:ext>
           </a:extLst>
         </p:spPr>
@@ -7079,7 +7593,7 @@
           </a:ln>
           <a:extLst>
             <a:ext uri="{C572A759-6A51-4108-AA02-DFA0A04FC94B}">
-              <ma14:wrappingTextBoxFlag xmlns="" xmlns:m="http://schemas.openxmlformats.org/officeDocument/2006/math" xmlns:a14="http://schemas.microsoft.com/office/drawing/2010/main" xmlns:ma14="http://schemas.microsoft.com/office/mac/drawingml/2011/main" val="1"/>
+              <ma14:wrappingTextBoxFlag xmlns:ma14="http://schemas.microsoft.com/office/mac/drawingml/2011/main" xmlns:a14="http://schemas.microsoft.com/office/drawing/2010/main" xmlns:m="http://schemas.openxmlformats.org/officeDocument/2006/math" xmlns="" val="1"/>
             </a:ext>
           </a:extLst>
         </p:spPr>
@@ -7132,11 +7646,7 @@
             </a:r>
             <a:r>
               <a:rPr smtClean="0"/>
-              <a:t> </a:t>
-            </a:r>
-            <a:r>
-              <a:rPr smtClean="0"/>
-              <a:t>([</a:t>
+              <a:t> ([</a:t>
             </a:r>
             <a:r>
               <a:t>ESS] no subject)</a:t>
@@ -7163,6 +7673,14 @@
 <file path=ppt/slides/slide2.xml><?xml version="1.0" encoding="utf-8"?>
 <p:sld xmlns:a="http://schemas.openxmlformats.org/drawingml/2006/main" xmlns:r="http://schemas.openxmlformats.org/officeDocument/2006/relationships" xmlns:p="http://schemas.openxmlformats.org/presentationml/2006/main">
   <p:cSld>
+    <p:bg>
+      <p:bgPr>
+        <a:solidFill>
+          <a:srgbClr val="FFFFFF"/>
+        </a:solidFill>
+        <a:effectLst/>
+      </p:bgPr>
+    </p:bg>
     <p:spTree>
       <p:nvGrpSpPr>
         <p:cNvPr id="1" name=""/>
@@ -7197,14 +7715,26 @@
           <a:lstStyle/>
           <a:p>
             <a:r>
-              <a:rPr lang="en-US" dirty="0" smtClean="0"/>
+              <a:rPr lang="en-US" dirty="0" smtClean="0">
+                <a:solidFill>
+                  <a:schemeClr val="bg1"/>
+                </a:solidFill>
+              </a:rPr>
               <a:t>O</a:t>
             </a:r>
             <a:r>
-              <a:rPr smtClean="0"/>
+              <a:rPr smtClean="0">
+                <a:solidFill>
+                  <a:schemeClr val="bg1"/>
+                </a:solidFill>
+              </a:rPr>
               <a:t>verview</a:t>
             </a:r>
-            <a:endParaRPr/>
+            <a:endParaRPr>
+              <a:solidFill>
+                <a:schemeClr val="bg1"/>
+              </a:solidFill>
+            </a:endParaRPr>
           </a:p>
         </p:txBody>
       </p:sp>
@@ -7227,6 +7757,14 @@
 <file path=ppt/slides/slide20.xml><?xml version="1.0" encoding="utf-8"?>
 <p:sld xmlns:a="http://schemas.openxmlformats.org/drawingml/2006/main" xmlns:r="http://schemas.openxmlformats.org/officeDocument/2006/relationships" xmlns:p="http://schemas.openxmlformats.org/presentationml/2006/main">
   <p:cSld>
+    <p:bg>
+      <p:bgPr>
+        <a:solidFill>
+          <a:srgbClr val="FFFFFF"/>
+        </a:solidFill>
+        <a:effectLst/>
+      </p:bgPr>
+    </p:bg>
     <p:spTree>
       <p:nvGrpSpPr>
         <p:cNvPr id="1" name=""/>
@@ -7269,6 +7807,11 @@
           </a:lstStyle>
           <a:p>
             <a:r>
+              <a:rPr>
+                <a:solidFill>
+                  <a:schemeClr val="bg1"/>
+                </a:solidFill>
+              </a:rPr>
               <a:t>Para quem precisa de uma melhor base de leitura e escrita em Inglês, recomendo muito investir agora. Reforço fortemente a importância do domínio do Inglês para a carreira em computação, e a disponibilidade de cursos de Inglês de baixo custo no CAC e no SENAC.</a:t>
             </a:r>
           </a:p>
@@ -7293,6 +7836,14 @@
 <file path=ppt/slides/slide21.xml><?xml version="1.0" encoding="utf-8"?>
 <p:sld xmlns:a="http://schemas.openxmlformats.org/drawingml/2006/main" xmlns:r="http://schemas.openxmlformats.org/officeDocument/2006/relationships" xmlns:p="http://schemas.openxmlformats.org/presentationml/2006/main">
   <p:cSld>
+    <p:bg>
+      <p:bgPr>
+        <a:solidFill>
+          <a:srgbClr val="FFFFFF"/>
+        </a:solidFill>
+        <a:effectLst/>
+      </p:bgPr>
+    </p:bg>
     <p:spTree>
       <p:nvGrpSpPr>
         <p:cNvPr id="1" name=""/>
@@ -7327,6 +7878,11 @@
           <a:lstStyle/>
           <a:p>
             <a:r>
+              <a:rPr>
+                <a:solidFill>
+                  <a:schemeClr val="bg1"/>
+                </a:solidFill>
+              </a:rPr>
               <a:t>Course evaluation</a:t>
             </a:r>
           </a:p>
@@ -7351,6 +7907,14 @@
 <file path=ppt/slides/slide22.xml><?xml version="1.0" encoding="utf-8"?>
 <p:sld xmlns:a="http://schemas.openxmlformats.org/drawingml/2006/main" xmlns:r="http://schemas.openxmlformats.org/officeDocument/2006/relationships" xmlns:p="http://schemas.openxmlformats.org/presentationml/2006/main">
   <p:cSld>
+    <p:bg>
+      <p:bgPr>
+        <a:solidFill>
+          <a:srgbClr val="FFFFFF"/>
+        </a:solidFill>
+        <a:effectLst/>
+      </p:bgPr>
+    </p:bg>
     <p:spTree>
       <p:nvGrpSpPr>
         <p:cNvPr id="1" name=""/>
@@ -7389,6 +7953,11 @@
           <a:lstStyle/>
           <a:p>
             <a:r>
+              <a:rPr>
+                <a:solidFill>
+                  <a:schemeClr val="bg1"/>
+                </a:solidFill>
+              </a:rPr>
               <a:t>Learning goals</a:t>
             </a:r>
           </a:p>
@@ -7472,6 +8041,14 @@
 <file path=ppt/slides/slide23.xml><?xml version="1.0" encoding="utf-8"?>
 <p:sld xmlns:a="http://schemas.openxmlformats.org/drawingml/2006/main" xmlns:r="http://schemas.openxmlformats.org/officeDocument/2006/relationships" xmlns:p="http://schemas.openxmlformats.org/presentationml/2006/main">
   <p:cSld>
+    <p:bg>
+      <p:bgPr>
+        <a:solidFill>
+          <a:srgbClr val="FFFFFF"/>
+        </a:solidFill>
+        <a:effectLst/>
+      </p:bgPr>
+    </p:bg>
     <p:spTree>
       <p:nvGrpSpPr>
         <p:cNvPr id="1" name=""/>
@@ -7506,10 +8083,18 @@
           <a:lstStyle/>
           <a:p>
             <a:r>
-              <a:rPr lang="en-US" dirty="0" smtClean="0"/>
+              <a:rPr lang="en-US" dirty="0" smtClean="0">
+                <a:solidFill>
+                  <a:schemeClr val="bg1"/>
+                </a:solidFill>
+              </a:rPr>
               <a:t>Grading</a:t>
             </a:r>
-            <a:endParaRPr/>
+            <a:endParaRPr>
+              <a:solidFill>
+                <a:schemeClr val="bg1"/>
+              </a:solidFill>
+            </a:endParaRPr>
           </a:p>
         </p:txBody>
       </p:sp>
@@ -7533,71 +8118,135 @@
           <a:lstStyle/>
           <a:p>
             <a:r>
-              <a:rPr/>
+              <a:rPr>
+                <a:solidFill>
+                  <a:schemeClr val="bg1"/>
+                </a:solidFill>
+              </a:rPr>
               <a:t>Project </a:t>
             </a:r>
             <a:r>
-              <a:rPr smtClean="0"/>
+              <a:rPr smtClean="0">
+                <a:solidFill>
+                  <a:schemeClr val="bg1"/>
+                </a:solidFill>
+              </a:rPr>
               <a:t>(</a:t>
             </a:r>
             <a:r>
-              <a:rPr lang="en-US" dirty="0" smtClean="0"/>
+              <a:rPr lang="en-US" dirty="0" smtClean="0">
+                <a:solidFill>
+                  <a:schemeClr val="bg1"/>
+                </a:solidFill>
+              </a:rPr>
               <a:t>6</a:t>
             </a:r>
             <a:r>
-              <a:rPr smtClean="0"/>
+              <a:rPr smtClean="0">
+                <a:solidFill>
+                  <a:schemeClr val="bg1"/>
+                </a:solidFill>
+              </a:rPr>
               <a:t>)</a:t>
             </a:r>
-            <a:endParaRPr/>
-          </a:p>
-          <a:p>
-            <a:r>
-              <a:rPr lang="en-US" dirty="0" smtClean="0"/>
+            <a:endParaRPr>
+              <a:solidFill>
+                <a:schemeClr val="bg1"/>
+              </a:solidFill>
+            </a:endParaRPr>
+          </a:p>
+          <a:p>
+            <a:r>
+              <a:rPr lang="en-US" dirty="0" smtClean="0">
+                <a:solidFill>
+                  <a:schemeClr val="bg1"/>
+                </a:solidFill>
+              </a:rPr>
               <a:t>P</a:t>
             </a:r>
             <a:r>
-              <a:rPr smtClean="0"/>
-              <a:t>articipation </a:t>
-            </a:r>
-            <a:r>
-              <a:rPr smtClean="0"/>
+              <a:rPr smtClean="0">
+                <a:solidFill>
+                  <a:schemeClr val="bg1"/>
+                </a:solidFill>
+              </a:rPr>
+              <a:t>articipation (</a:t>
+            </a:r>
+            <a:r>
+              <a:rPr lang="en-US" dirty="0" smtClean="0">
+                <a:solidFill>
+                  <a:schemeClr val="bg1"/>
+                </a:solidFill>
+              </a:rPr>
+              <a:t>1</a:t>
+            </a:r>
+            <a:r>
+              <a:rPr smtClean="0">
+                <a:solidFill>
+                  <a:schemeClr val="bg1"/>
+                </a:solidFill>
+              </a:rPr>
+              <a:t>)</a:t>
+            </a:r>
+            <a:endParaRPr>
+              <a:solidFill>
+                <a:schemeClr val="bg1"/>
+              </a:solidFill>
+            </a:endParaRPr>
+          </a:p>
+          <a:p>
+            <a:r>
+              <a:rPr>
+                <a:solidFill>
+                  <a:schemeClr val="bg1"/>
+                </a:solidFill>
+              </a:rPr>
+              <a:t>Quizzes </a:t>
+            </a:r>
+            <a:r>
+              <a:rPr smtClean="0">
+                <a:solidFill>
+                  <a:schemeClr val="bg1"/>
+                </a:solidFill>
+              </a:rPr>
               <a:t>(</a:t>
             </a:r>
             <a:r>
-              <a:rPr lang="en-US" dirty="0" smtClean="0"/>
-              <a:t>1</a:t>
-            </a:r>
-            <a:r>
-              <a:rPr smtClean="0"/>
+              <a:rPr lang="en-US" dirty="0" smtClean="0">
+                <a:solidFill>
+                  <a:schemeClr val="bg1"/>
+                </a:solidFill>
+              </a:rPr>
+              <a:t>2</a:t>
+            </a:r>
+            <a:r>
+              <a:rPr smtClean="0">
+                <a:solidFill>
+                  <a:schemeClr val="bg1"/>
+                </a:solidFill>
+              </a:rPr>
               <a:t>)</a:t>
             </a:r>
-            <a:endParaRPr/>
-          </a:p>
-          <a:p>
-            <a:r>
-              <a:rPr/>
-              <a:t>Quizzes </a:t>
-            </a:r>
-            <a:r>
-              <a:rPr smtClean="0"/>
-              <a:t>(</a:t>
-            </a:r>
-            <a:r>
-              <a:rPr lang="en-US" dirty="0" smtClean="0"/>
-              <a:t>2</a:t>
-            </a:r>
-            <a:r>
-              <a:rPr smtClean="0"/>
-              <a:t>)</a:t>
-            </a:r>
-            <a:endParaRPr lang="en-US" dirty="0" smtClean="0"/>
-          </a:p>
-          <a:p>
-            <a:r>
-              <a:rPr lang="en-US" dirty="0" smtClean="0"/>
+            <a:endParaRPr lang="en-US" dirty="0" smtClean="0">
+              <a:solidFill>
+                <a:schemeClr val="bg1"/>
+              </a:solidFill>
+            </a:endParaRPr>
+          </a:p>
+          <a:p>
+            <a:r>
+              <a:rPr lang="en-US" dirty="0" smtClean="0">
+                <a:solidFill>
+                  <a:schemeClr val="bg1"/>
+                </a:solidFill>
+              </a:rPr>
               <a:t>Exercise sets (1)</a:t>
             </a:r>
-            <a:endParaRPr/>
+            <a:endParaRPr>
+              <a:solidFill>
+                <a:schemeClr val="bg1"/>
+              </a:solidFill>
+            </a:endParaRPr>
           </a:p>
         </p:txBody>
       </p:sp>
@@ -7620,6 +8269,14 @@
 <file path=ppt/slides/slide24.xml><?xml version="1.0" encoding="utf-8"?>
 <p:sld xmlns:a="http://schemas.openxmlformats.org/drawingml/2006/main" xmlns:r="http://schemas.openxmlformats.org/officeDocument/2006/relationships" xmlns:p="http://schemas.openxmlformats.org/presentationml/2006/main">
   <p:cSld>
+    <p:bg>
+      <p:bgPr>
+        <a:solidFill>
+          <a:srgbClr val="FFFFFF"/>
+        </a:solidFill>
+        <a:effectLst/>
+      </p:bgPr>
+    </p:bg>
     <p:spTree>
       <p:nvGrpSpPr>
         <p:cNvPr id="1" name=""/>
@@ -7654,6 +8311,11 @@
           <a:lstStyle/>
           <a:p>
             <a:r>
+              <a:rPr>
+                <a:solidFill>
+                  <a:schemeClr val="bg1"/>
+                </a:solidFill>
+              </a:rPr>
               <a:t>Project evaluation</a:t>
             </a:r>
           </a:p>
@@ -7686,6 +8348,11 @@
               <a:defRPr sz="3900"/>
             </a:pPr>
             <a:r>
+              <a:rPr>
+                <a:solidFill>
+                  <a:schemeClr val="bg1"/>
+                </a:solidFill>
+              </a:rPr>
               <a:t>requirements (1)</a:t>
             </a:r>
           </a:p>
@@ -7694,6 +8361,11 @@
               <a:defRPr sz="3900"/>
             </a:pPr>
             <a:r>
+              <a:rPr>
+                <a:solidFill>
+                  <a:schemeClr val="bg1"/>
+                </a:solidFill>
+              </a:rPr>
               <a:t>configuration management (1)</a:t>
             </a:r>
           </a:p>
@@ -7702,6 +8374,11 @@
               <a:defRPr sz="3900"/>
             </a:pPr>
             <a:r>
+              <a:rPr>
+                <a:solidFill>
+                  <a:schemeClr val="bg1"/>
+                </a:solidFill>
+              </a:rPr>
               <a:t>project management (1)</a:t>
             </a:r>
           </a:p>
@@ -7710,6 +8387,11 @@
               <a:defRPr sz="3900"/>
             </a:pPr>
             <a:r>
+              <a:rPr>
+                <a:solidFill>
+                  <a:schemeClr val="bg1"/>
+                </a:solidFill>
+              </a:rPr>
               <a:t>tests (2) </a:t>
             </a:r>
           </a:p>
@@ -7718,6 +8400,11 @@
               <a:defRPr sz="3900"/>
             </a:pPr>
             <a:r>
+              <a:rPr>
+                <a:solidFill>
+                  <a:schemeClr val="bg1"/>
+                </a:solidFill>
+              </a:rPr>
               <a:t>design and implementation (3)</a:t>
             </a:r>
           </a:p>
@@ -7726,27 +8413,52 @@
               <a:defRPr sz="3900"/>
             </a:pPr>
             <a:r>
+              <a:rPr>
+                <a:solidFill>
+                  <a:schemeClr val="bg1"/>
+                </a:solidFill>
+              </a:rPr>
               <a:t>refactoring (</a:t>
             </a:r>
             <a:r>
-              <a:rPr/>
+              <a:rPr>
+                <a:solidFill>
+                  <a:schemeClr val="bg1"/>
+                </a:solidFill>
+              </a:rPr>
               <a:t>1</a:t>
             </a:r>
             <a:r>
-              <a:rPr smtClean="0"/>
+              <a:rPr smtClean="0">
+                <a:solidFill>
+                  <a:schemeClr val="bg1"/>
+                </a:solidFill>
+              </a:rPr>
               <a:t>)</a:t>
             </a:r>
-            <a:endParaRPr lang="en-US" dirty="0" smtClean="0"/>
+            <a:endParaRPr lang="en-US" dirty="0" smtClean="0">
+              <a:solidFill>
+                <a:schemeClr val="bg1"/>
+              </a:solidFill>
+            </a:endParaRPr>
           </a:p>
           <a:p>
             <a:pPr>
               <a:defRPr sz="3900"/>
             </a:pPr>
             <a:r>
-              <a:rPr lang="en-US" dirty="0" smtClean="0"/>
+              <a:rPr lang="en-US" dirty="0" smtClean="0">
+                <a:solidFill>
+                  <a:schemeClr val="bg1"/>
+                </a:solidFill>
+              </a:rPr>
               <a:t>Individual presentation (1)</a:t>
             </a:r>
-            <a:endParaRPr/>
+            <a:endParaRPr>
+              <a:solidFill>
+                <a:schemeClr val="bg1"/>
+              </a:solidFill>
+            </a:endParaRPr>
           </a:p>
         </p:txBody>
       </p:sp>
@@ -7769,6 +8481,14 @@
 <file path=ppt/slides/slide25.xml><?xml version="1.0" encoding="utf-8"?>
 <p:sld xmlns:a="http://schemas.openxmlformats.org/drawingml/2006/main" xmlns:r="http://schemas.openxmlformats.org/officeDocument/2006/relationships" xmlns:p="http://schemas.openxmlformats.org/presentationml/2006/main">
   <p:cSld>
+    <p:bg>
+      <p:bgPr>
+        <a:solidFill>
+          <a:srgbClr val="FFFFFF"/>
+        </a:solidFill>
+        <a:effectLst/>
+      </p:bgPr>
+    </p:bg>
     <p:spTree>
       <p:nvGrpSpPr>
         <p:cNvPr id="1" name=""/>
@@ -7807,6 +8527,11 @@
           <a:lstStyle/>
           <a:p>
             <a:r>
+              <a:rPr>
+                <a:solidFill>
+                  <a:schemeClr val="bg1"/>
+                </a:solidFill>
+              </a:rPr>
               <a:t>Class and slack participation</a:t>
             </a:r>
           </a:p>
@@ -7838,13 +8563,22 @@
             <a:pPr lvl="1">
               <a:defRPr sz="4100"/>
             </a:pPr>
-            <a:endParaRPr/>
+            <a:endParaRPr>
+              <a:solidFill>
+                <a:schemeClr val="bg1"/>
+              </a:solidFill>
+            </a:endParaRPr>
           </a:p>
           <a:p>
             <a:pPr>
               <a:defRPr sz="4100"/>
             </a:pPr>
             <a:r>
+              <a:rPr>
+                <a:solidFill>
+                  <a:schemeClr val="bg1"/>
+                </a:solidFill>
+              </a:rPr>
               <a:t>Asking questions</a:t>
             </a:r>
           </a:p>
@@ -7853,6 +8587,11 @@
               <a:defRPr sz="4100"/>
             </a:pPr>
             <a:r>
+              <a:rPr>
+                <a:solidFill>
+                  <a:schemeClr val="bg1"/>
+                </a:solidFill>
+              </a:rPr>
               <a:t>Discussing topics</a:t>
             </a:r>
           </a:p>
@@ -7861,6 +8600,11 @@
               <a:defRPr sz="4100"/>
             </a:pPr>
             <a:r>
+              <a:rPr>
+                <a:solidFill>
+                  <a:schemeClr val="bg1"/>
+                </a:solidFill>
+              </a:rPr>
               <a:t>Answering questions from other students</a:t>
             </a:r>
           </a:p>
@@ -7869,6 +8613,11 @@
               <a:defRPr sz="4100"/>
             </a:pPr>
             <a:r>
+              <a:rPr>
+                <a:solidFill>
+                  <a:schemeClr val="bg1"/>
+                </a:solidFill>
+              </a:rPr>
               <a:t>Correcting answers from other students</a:t>
             </a:r>
           </a:p>
@@ -7886,6 +8635,14 @@
 <file path=ppt/slides/slide26.xml><?xml version="1.0" encoding="utf-8"?>
 <p:sld xmlns:a="http://schemas.openxmlformats.org/drawingml/2006/main" xmlns:r="http://schemas.openxmlformats.org/officeDocument/2006/relationships" xmlns:p="http://schemas.openxmlformats.org/presentationml/2006/main">
   <p:cSld>
+    <p:bg>
+      <p:bgPr>
+        <a:solidFill>
+          <a:srgbClr val="FFFFFF"/>
+        </a:solidFill>
+        <a:effectLst/>
+      </p:bgPr>
+    </p:bg>
     <p:spTree>
       <p:nvGrpSpPr>
         <p:cNvPr id="1" name=""/>
@@ -7927,12 +8684,17 @@
               <a:defRPr sz="7000"/>
             </a:pPr>
             <a:r>
+              <a:rPr>
+                <a:solidFill>
+                  <a:schemeClr val="bg1"/>
+                </a:solidFill>
+              </a:rPr>
               <a:t>quizzes are answered </a:t>
             </a:r>
             <a:r>
               <a:rPr>
                 <a:solidFill>
-                  <a:srgbClr val="FEFB27"/>
+                  <a:schemeClr val="bg1"/>
                 </a:solidFill>
               </a:rPr>
               <a:t>during classes (check calendar)</a:t>
@@ -7942,13 +8704,22 @@
             <a:pPr>
               <a:defRPr sz="7000"/>
             </a:pPr>
-            <a:endParaRPr/>
+            <a:endParaRPr>
+              <a:solidFill>
+                <a:schemeClr val="bg1"/>
+              </a:solidFill>
+            </a:endParaRPr>
           </a:p>
           <a:p>
             <a:pPr>
               <a:defRPr sz="7000"/>
             </a:pPr>
             <a:r>
+              <a:rPr>
+                <a:solidFill>
+                  <a:schemeClr val="bg1"/>
+                </a:solidFill>
+              </a:rPr>
               <a:t>no second chance for quizzes</a:t>
             </a:r>
           </a:p>
@@ -7956,13 +8727,22 @@
             <a:pPr>
               <a:defRPr sz="7000"/>
             </a:pPr>
-            <a:endParaRPr/>
+            <a:endParaRPr>
+              <a:solidFill>
+                <a:schemeClr val="bg1"/>
+              </a:solidFill>
+            </a:endParaRPr>
           </a:p>
           <a:p>
             <a:pPr>
               <a:defRPr sz="7000"/>
             </a:pPr>
             <a:r>
+              <a:rPr>
+                <a:solidFill>
+                  <a:schemeClr val="bg1"/>
+                </a:solidFill>
+              </a:rPr>
               <a:t>oral final exam</a:t>
             </a:r>
           </a:p>
@@ -7980,6 +8760,14 @@
 <file path=ppt/slides/slide27.xml><?xml version="1.0" encoding="utf-8"?>
 <p:sld xmlns:a="http://schemas.openxmlformats.org/drawingml/2006/main" xmlns:r="http://schemas.openxmlformats.org/officeDocument/2006/relationships" xmlns:p="http://schemas.openxmlformats.org/presentationml/2006/main">
   <p:cSld>
+    <p:bg>
+      <p:bgPr>
+        <a:solidFill>
+          <a:srgbClr val="FFFFFF"/>
+        </a:solidFill>
+        <a:effectLst/>
+      </p:bgPr>
+    </p:bg>
     <p:spTree>
       <p:nvGrpSpPr>
         <p:cNvPr id="1" name=""/>
@@ -8014,14 +8802,27 @@
           <a:lstStyle/>
           <a:p>
             <a:r>
-              <a:rPr lang="en-US" dirty="0" smtClean="0"/>
+              <a:rPr lang="en-US" dirty="0" smtClean="0">
+                <a:solidFill>
+                  <a:schemeClr val="bg1"/>
+                </a:solidFill>
+              </a:rPr>
               <a:t>Assignment: </a:t>
             </a:r>
             <a:r>
-              <a:rPr smtClean="0"/>
+              <a:rPr smtClean="0">
+                <a:solidFill>
+                  <a:schemeClr val="bg1"/>
+                </a:solidFill>
+              </a:rPr>
               <a:t>Introduce </a:t>
             </a:r>
             <a:r>
+              <a:rPr>
+                <a:solidFill>
+                  <a:schemeClr val="bg1"/>
+                </a:solidFill>
+              </a:rPr>
               <a:t>yourself...</a:t>
             </a:r>
           </a:p>
@@ -8047,16 +8848,31 @@
           <a:lstStyle/>
           <a:p>
             <a:r>
+              <a:rPr>
+                <a:solidFill>
+                  <a:schemeClr val="bg1"/>
+                </a:solidFill>
+              </a:rPr>
               <a:t>Name</a:t>
             </a:r>
           </a:p>
           <a:p>
             <a:r>
+              <a:rPr>
+                <a:solidFill>
+                  <a:schemeClr val="bg1"/>
+                </a:solidFill>
+              </a:rPr>
               <a:t>What do you expect from this course?</a:t>
             </a:r>
           </a:p>
           <a:p>
             <a:r>
+              <a:rPr>
+                <a:solidFill>
+                  <a:schemeClr val="bg1"/>
+                </a:solidFill>
+              </a:rPr>
               <a:t>What questions do you have about the course?</a:t>
             </a:r>
           </a:p>
@@ -8074,6 +8890,14 @@
 <file path=ppt/slides/slide28.xml><?xml version="1.0" encoding="utf-8"?>
 <p:sld xmlns:a="http://schemas.openxmlformats.org/drawingml/2006/main" xmlns:r="http://schemas.openxmlformats.org/officeDocument/2006/relationships" xmlns:p="http://schemas.openxmlformats.org/presentationml/2006/main">
   <p:cSld>
+    <p:bg>
+      <p:bgPr>
+        <a:solidFill>
+          <a:srgbClr val="FFFFFF"/>
+        </a:solidFill>
+        <a:effectLst/>
+      </p:bgPr>
+    </p:bg>
     <p:spTree>
       <p:nvGrpSpPr>
         <p:cNvPr id="1" name=""/>
@@ -8112,11 +8936,20 @@
           <a:lstStyle/>
           <a:p>
             <a:r>
+              <a:rPr>
+                <a:solidFill>
+                  <a:schemeClr val="bg1"/>
+                </a:solidFill>
+              </a:rPr>
               <a:t>Take care of yourself</a:t>
             </a:r>
           </a:p>
           <a:p>
-            <a:endParaRPr/>
+            <a:endParaRPr>
+              <a:solidFill>
+                <a:schemeClr val="bg1"/>
+              </a:solidFill>
+            </a:endParaRPr>
           </a:p>
           <a:p>
             <a:pPr>
@@ -8127,6 +8960,11 @@
               </a:defRPr>
             </a:pPr>
             <a:r>
+              <a:rPr>
+                <a:solidFill>
+                  <a:schemeClr val="bg1"/>
+                </a:solidFill>
+              </a:rPr>
               <a:t>acolhimento@cin.ufpe.br</a:t>
             </a:r>
           </a:p>
@@ -8144,6 +8982,14 @@
 <file path=ppt/slides/slide3.xml><?xml version="1.0" encoding="utf-8"?>
 <p:sld xmlns:a="http://schemas.openxmlformats.org/drawingml/2006/main" xmlns:r="http://schemas.openxmlformats.org/officeDocument/2006/relationships" xmlns:p="http://schemas.openxmlformats.org/presentationml/2006/main">
   <p:cSld>
+    <p:bg>
+      <p:bgPr>
+        <a:solidFill>
+          <a:srgbClr val="FFFFFF"/>
+        </a:solidFill>
+        <a:effectLst/>
+      </p:bgPr>
+    </p:bg>
     <p:spTree>
       <p:nvGrpSpPr>
         <p:cNvPr id="1" name=""/>
@@ -8178,10 +9024,18 @@
           <a:lstStyle/>
           <a:p>
             <a:r>
-              <a:rPr smtClean="0"/>
+              <a:rPr smtClean="0">
+                <a:solidFill>
+                  <a:schemeClr val="bg1"/>
+                </a:solidFill>
+              </a:rPr>
               <a:t>Tasks</a:t>
             </a:r>
-            <a:endParaRPr/>
+            <a:endParaRPr>
+              <a:solidFill>
+                <a:schemeClr val="bg1"/>
+              </a:solidFill>
+            </a:endParaRPr>
           </a:p>
         </p:txBody>
       </p:sp>
@@ -8219,6 +9073,11 @@
               <a:defRPr sz="2940"/>
             </a:pPr>
             <a:r>
+              <a:rPr>
+                <a:solidFill>
+                  <a:schemeClr val="bg1"/>
+                </a:solidFill>
+              </a:rPr>
               <a:t>Defining, maintaining and managing requirements</a:t>
             </a:r>
           </a:p>
@@ -8232,6 +9091,11 @@
               <a:defRPr sz="2940"/>
             </a:pPr>
             <a:r>
+              <a:rPr>
+                <a:solidFill>
+                  <a:schemeClr val="bg1"/>
+                </a:solidFill>
+              </a:rPr>
               <a:t>Managing configurations and changes</a:t>
             </a:r>
           </a:p>
@@ -8245,6 +9109,11 @@
               <a:defRPr sz="2940"/>
             </a:pPr>
             <a:r>
+              <a:rPr>
+                <a:solidFill>
+                  <a:schemeClr val="bg1"/>
+                </a:solidFill>
+              </a:rPr>
               <a:t>Managing software projects</a:t>
             </a:r>
           </a:p>
@@ -8258,6 +9127,11 @@
               <a:defRPr sz="2940"/>
             </a:pPr>
             <a:r>
+              <a:rPr>
+                <a:solidFill>
+                  <a:schemeClr val="bg1"/>
+                </a:solidFill>
+              </a:rPr>
               <a:t>Implementing, maintaining and executing tests</a:t>
             </a:r>
           </a:p>
@@ -8271,6 +9145,11 @@
               <a:defRPr sz="2940"/>
             </a:pPr>
             <a:r>
+              <a:rPr>
+                <a:solidFill>
+                  <a:schemeClr val="bg1"/>
+                </a:solidFill>
+              </a:rPr>
               <a:t>Designing, implementing and maintaining features</a:t>
             </a:r>
           </a:p>
@@ -8283,6 +9162,11 @@
               <a:defRPr sz="2940"/>
             </a:pPr>
             <a:r>
+              <a:rPr>
+                <a:solidFill>
+                  <a:schemeClr val="bg1"/>
+                </a:solidFill>
+              </a:rPr>
               <a:t>Creating or adapting features</a:t>
             </a:r>
           </a:p>
@@ -8295,6 +9179,11 @@
               <a:defRPr sz="2940"/>
             </a:pPr>
             <a:r>
+              <a:rPr>
+                <a:solidFill>
+                  <a:schemeClr val="bg1"/>
+                </a:solidFill>
+              </a:rPr>
               <a:t>Finding and fixing bugs</a:t>
             </a:r>
           </a:p>
@@ -8308,6 +9197,11 @@
               <a:defRPr sz="2940"/>
             </a:pPr>
             <a:r>
+              <a:rPr>
+                <a:solidFill>
+                  <a:schemeClr val="bg1"/>
+                </a:solidFill>
+              </a:rPr>
               <a:t>Refactoring</a:t>
             </a:r>
           </a:p>
@@ -8320,6 +9214,11 @@
               <a:defRPr sz="2940"/>
             </a:pPr>
             <a:r>
+              <a:rPr>
+                <a:solidFill>
+                  <a:schemeClr val="bg1"/>
+                </a:solidFill>
+              </a:rPr>
               <a:t>Finding and fixing reuse and modularity issues</a:t>
             </a:r>
           </a:p>
@@ -8344,6 +9243,14 @@
 <file path=ppt/slides/slide4.xml><?xml version="1.0" encoding="utf-8"?>
 <p:sld xmlns:a="http://schemas.openxmlformats.org/drawingml/2006/main" xmlns:r="http://schemas.openxmlformats.org/officeDocument/2006/relationships" xmlns:p="http://schemas.openxmlformats.org/presentationml/2006/main">
   <p:cSld>
+    <p:bg>
+      <p:bgPr>
+        <a:solidFill>
+          <a:srgbClr val="FFFFFF"/>
+        </a:solidFill>
+        <a:effectLst/>
+      </p:bgPr>
+    </p:bg>
     <p:spTree>
       <p:nvGrpSpPr>
         <p:cNvPr id="1" name=""/>
@@ -8382,10 +9289,18 @@
           <a:lstStyle/>
           <a:p>
             <a:r>
-              <a:rPr smtClean="0"/>
+              <a:rPr smtClean="0">
+                <a:solidFill>
+                  <a:schemeClr val="bg1"/>
+                </a:solidFill>
+              </a:rPr>
               <a:t>Background</a:t>
             </a:r>
-            <a:endParaRPr/>
+            <a:endParaRPr>
+              <a:solidFill>
+                <a:schemeClr val="bg1"/>
+              </a:solidFill>
+            </a:endParaRPr>
           </a:p>
         </p:txBody>
       </p:sp>
@@ -8421,6 +9336,11 @@
               <a:defRPr sz="3822"/>
             </a:pPr>
             <a:r>
+              <a:rPr>
+                <a:solidFill>
+                  <a:schemeClr val="bg1"/>
+                </a:solidFill>
+              </a:rPr>
               <a:t>Process and collaboration technologies</a:t>
             </a:r>
           </a:p>
@@ -8432,6 +9352,11 @@
               <a:defRPr sz="3822"/>
             </a:pPr>
             <a:r>
+              <a:rPr>
+                <a:solidFill>
+                  <a:schemeClr val="bg1"/>
+                </a:solidFill>
+              </a:rPr>
               <a:t>git, GitHub, modular development</a:t>
             </a:r>
           </a:p>
@@ -8443,6 +9368,11 @@
               <a:defRPr sz="3822"/>
             </a:pPr>
             <a:r>
+              <a:rPr>
+                <a:solidFill>
+                  <a:schemeClr val="bg1"/>
+                </a:solidFill>
+              </a:rPr>
               <a:t>Software architecture concepts</a:t>
             </a:r>
           </a:p>
@@ -8454,6 +9384,11 @@
               <a:defRPr sz="3822"/>
             </a:pPr>
             <a:r>
+              <a:rPr>
+                <a:solidFill>
+                  <a:schemeClr val="bg1"/>
+                </a:solidFill>
+              </a:rPr>
               <a:t>web architecture, patterns</a:t>
             </a:r>
           </a:p>
@@ -8465,6 +9400,11 @@
               <a:defRPr sz="3822"/>
             </a:pPr>
             <a:r>
+              <a:rPr>
+                <a:solidFill>
+                  <a:schemeClr val="bg1"/>
+                </a:solidFill>
+              </a:rPr>
               <a:t>Programming and testing technologies for SaaS (software as a service)</a:t>
             </a:r>
           </a:p>
@@ -8476,6 +9416,11 @@
               <a:defRPr sz="3822"/>
             </a:pPr>
             <a:r>
+              <a:rPr>
+                <a:solidFill>
+                  <a:schemeClr val="bg1"/>
+                </a:solidFill>
+              </a:rPr>
               <a:t>HTML, Typescript, Angular, Node.js, Cucumber</a:t>
             </a:r>
           </a:p>
@@ -8500,6 +9445,14 @@
 <file path=ppt/slides/slide5.xml><?xml version="1.0" encoding="utf-8"?>
 <p:sld xmlns:a="http://schemas.openxmlformats.org/drawingml/2006/main" xmlns:r="http://schemas.openxmlformats.org/officeDocument/2006/relationships" xmlns:p="http://schemas.openxmlformats.org/presentationml/2006/main">
   <p:cSld>
+    <p:bg>
+      <p:bgPr>
+        <a:solidFill>
+          <a:srgbClr val="FFFFFF"/>
+        </a:solidFill>
+        <a:effectLst/>
+      </p:bgPr>
+    </p:bg>
     <p:spTree>
       <p:nvGrpSpPr>
         <p:cNvPr id="1" name=""/>
@@ -8534,18 +9487,34 @@
           <a:lstStyle/>
           <a:p>
             <a:r>
-              <a:rPr/>
+              <a:rPr>
+                <a:solidFill>
+                  <a:schemeClr val="bg1"/>
+                </a:solidFill>
+              </a:rPr>
               <a:t>Expected </a:t>
             </a:r>
             <a:r>
-              <a:rPr lang="en-US" dirty="0" smtClean="0"/>
+              <a:rPr lang="en-US" dirty="0" smtClean="0">
+                <a:solidFill>
+                  <a:schemeClr val="bg1"/>
+                </a:solidFill>
+              </a:rPr>
               <a:t>R</a:t>
             </a:r>
             <a:r>
-              <a:rPr smtClean="0"/>
+              <a:rPr smtClean="0">
+                <a:solidFill>
+                  <a:schemeClr val="bg1"/>
+                </a:solidFill>
+              </a:rPr>
               <a:t>esults</a:t>
             </a:r>
-            <a:endParaRPr/>
+            <a:endParaRPr>
+              <a:solidFill>
+                <a:schemeClr val="bg1"/>
+              </a:solidFill>
+            </a:endParaRPr>
           </a:p>
         </p:txBody>
       </p:sp>
@@ -8573,16 +9542,31 @@
           <a:lstStyle/>
           <a:p>
             <a:r>
+              <a:rPr>
+                <a:solidFill>
+                  <a:schemeClr val="bg1"/>
+                </a:solidFill>
+              </a:rPr>
               <a:t>Develop quality systems, in a productive way, using techniques and tools</a:t>
             </a:r>
           </a:p>
           <a:p>
             <a:r>
+              <a:rPr>
+                <a:solidFill>
+                  <a:schemeClr val="bg1"/>
+                </a:solidFill>
+              </a:rPr>
               <a:t>Apply refactoring techniques to increase code reuse and modularity</a:t>
             </a:r>
           </a:p>
           <a:p>
             <a:r>
+              <a:rPr>
+                <a:solidFill>
+                  <a:schemeClr val="bg1"/>
+                </a:solidFill>
+              </a:rPr>
               <a:t>Critically compare techniques and tools, identifying their advantages, disadvantages, and limitations</a:t>
             </a:r>
           </a:p>
@@ -8607,6 +9591,14 @@
 <file path=ppt/slides/slide6.xml><?xml version="1.0" encoding="utf-8"?>
 <p:sld xmlns:a="http://schemas.openxmlformats.org/drawingml/2006/main" xmlns:r="http://schemas.openxmlformats.org/officeDocument/2006/relationships" xmlns:p="http://schemas.openxmlformats.org/presentationml/2006/main">
   <p:cSld>
+    <p:bg>
+      <p:bgPr>
+        <a:solidFill>
+          <a:srgbClr val="FFFFFF"/>
+        </a:solidFill>
+        <a:effectLst/>
+      </p:bgPr>
+    </p:bg>
     <p:spTree>
       <p:nvGrpSpPr>
         <p:cNvPr id="1" name=""/>
@@ -8645,25 +9637,51 @@
           <a:lstStyle/>
           <a:p>
             <a:r>
+              <a:rPr>
+                <a:solidFill>
+                  <a:schemeClr val="bg1"/>
+                </a:solidFill>
+              </a:rPr>
               <a:t>Focus on Software as a Service (</a:t>
             </a:r>
             <a:r>
-              <a:rPr/>
+              <a:rPr>
+                <a:solidFill>
+                  <a:schemeClr val="bg1"/>
+                </a:solidFill>
+              </a:rPr>
               <a:t>SaaS</a:t>
             </a:r>
             <a:r>
-              <a:rPr smtClean="0"/>
+              <a:rPr smtClean="0">
+                <a:solidFill>
+                  <a:schemeClr val="bg1"/>
+                </a:solidFill>
+              </a:rPr>
               <a:t>),</a:t>
             </a:r>
             <a:r>
-              <a:rPr lang="en-US" dirty="0" smtClean="0"/>
+              <a:rPr lang="en-US" dirty="0" smtClean="0">
+                <a:solidFill>
+                  <a:schemeClr val="bg1"/>
+                </a:solidFill>
+              </a:rPr>
               <a:t> </a:t>
             </a:r>
             <a:r>
-              <a:rPr smtClean="0"/>
+              <a:rPr smtClean="0">
+                <a:solidFill>
+                  <a:schemeClr val="bg1"/>
+                </a:solidFill>
+              </a:rPr>
               <a:t>not </a:t>
             </a:r>
             <a:r>
+              <a:rPr>
+                <a:solidFill>
+                  <a:schemeClr val="bg1"/>
+                </a:solidFill>
+              </a:rPr>
               <a:t>systems in general</a:t>
             </a:r>
           </a:p>
@@ -8688,6 +9706,14 @@
 <file path=ppt/slides/slide7.xml><?xml version="1.0" encoding="utf-8"?>
 <p:sld xmlns:a="http://schemas.openxmlformats.org/drawingml/2006/main" xmlns:r="http://schemas.openxmlformats.org/officeDocument/2006/relationships" xmlns:p="http://schemas.openxmlformats.org/presentationml/2006/main">
   <p:cSld>
+    <p:bg>
+      <p:bgPr>
+        <a:solidFill>
+          <a:srgbClr val="FFFFFF"/>
+        </a:solidFill>
+        <a:effectLst/>
+      </p:bgPr>
+    </p:bg>
     <p:spTree>
       <p:nvGrpSpPr>
         <p:cNvPr id="1" name=""/>
@@ -8726,6 +9752,11 @@
           <a:lstStyle/>
           <a:p>
             <a:r>
+              <a:rPr>
+                <a:solidFill>
+                  <a:schemeClr val="bg1"/>
+                </a:solidFill>
+              </a:rPr>
               <a:t>Focus on Agile development, not more rigorous techniques</a:t>
             </a:r>
           </a:p>
@@ -8750,6 +9781,14 @@
 <file path=ppt/slides/slide8.xml><?xml version="1.0" encoding="utf-8"?>
 <p:sld xmlns:a="http://schemas.openxmlformats.org/drawingml/2006/main" xmlns:r="http://schemas.openxmlformats.org/officeDocument/2006/relationships" xmlns:p="http://schemas.openxmlformats.org/presentationml/2006/main">
   <p:cSld>
+    <p:bg>
+      <p:bgPr>
+        <a:solidFill>
+          <a:srgbClr val="FFFFFF"/>
+        </a:solidFill>
+        <a:effectLst/>
+      </p:bgPr>
+    </p:bg>
     <p:spTree>
       <p:nvGrpSpPr>
         <p:cNvPr id="1" name=""/>
@@ -8788,17 +9827,27 @@
           <a:lstStyle/>
           <a:p>
             <a:r>
+              <a:rPr>
+                <a:solidFill>
+                  <a:schemeClr val="bg1"/>
+                </a:solidFill>
+              </a:rPr>
               <a:t>You will </a:t>
             </a:r>
             <a:r>
               <a:rPr>
                 <a:solidFill>
-                  <a:srgbClr val="FEFB27"/>
+                  <a:schemeClr val="bg1"/>
                 </a:solidFill>
               </a:rPr>
               <a:t>not</a:t>
             </a:r>
             <a:r>
+              <a:rPr>
+                <a:solidFill>
+                  <a:schemeClr val="bg1"/>
+                </a:solidFill>
+              </a:rPr>
               <a:t> become a software engineer with this course, but you will find out the way to become one!</a:t>
             </a:r>
           </a:p>
@@ -8823,6 +9872,14 @@
 <file path=ppt/slides/slide9.xml><?xml version="1.0" encoding="utf-8"?>
 <p:sld xmlns:a="http://schemas.openxmlformats.org/drawingml/2006/main" xmlns:r="http://schemas.openxmlformats.org/officeDocument/2006/relationships" xmlns:p="http://schemas.openxmlformats.org/presentationml/2006/main">
   <p:cSld>
+    <p:bg>
+      <p:bgPr>
+        <a:solidFill>
+          <a:srgbClr val="FFFFFF"/>
+        </a:solidFill>
+        <a:effectLst/>
+      </p:bgPr>
+    </p:bg>
     <p:spTree>
       <p:nvGrpSpPr>
         <p:cNvPr id="1" name=""/>
@@ -8857,6 +9914,11 @@
           <a:lstStyle/>
           <a:p>
             <a:r>
+              <a:rPr>
+                <a:solidFill>
+                  <a:schemeClr val="bg1"/>
+                </a:solidFill>
+              </a:rPr>
               <a:t>Tasks and recommendations</a:t>
             </a:r>
           </a:p>
@@ -11032,4 +12094,287 @@
   </a:objectDefaults>
   <a:extraClrSchemeLst/>
 </a:theme>
+</file>
+
+<file path=ppt/theme/theme3.xml><?xml version="1.0" encoding="utf-8"?>
+<a:theme xmlns:a="http://schemas.openxmlformats.org/drawingml/2006/main" name="Tema do Office">
+  <a:themeElements>
+    <a:clrScheme name="Escritório">
+      <a:dk1>
+        <a:sysClr val="windowText" lastClr="000000"/>
+      </a:dk1>
+      <a:lt1>
+        <a:sysClr val="window" lastClr="FFFFFF"/>
+      </a:lt1>
+      <a:dk2>
+        <a:srgbClr val="1F497D"/>
+      </a:dk2>
+      <a:lt2>
+        <a:srgbClr val="EEECE1"/>
+      </a:lt2>
+      <a:accent1>
+        <a:srgbClr val="4F81BD"/>
+      </a:accent1>
+      <a:accent2>
+        <a:srgbClr val="C0504D"/>
+      </a:accent2>
+      <a:accent3>
+        <a:srgbClr val="9BBB59"/>
+      </a:accent3>
+      <a:accent4>
+        <a:srgbClr val="8064A2"/>
+      </a:accent4>
+      <a:accent5>
+        <a:srgbClr val="4BACC6"/>
+      </a:accent5>
+      <a:accent6>
+        <a:srgbClr val="F79646"/>
+      </a:accent6>
+      <a:hlink>
+        <a:srgbClr val="0000FF"/>
+      </a:hlink>
+      <a:folHlink>
+        <a:srgbClr val="800080"/>
+      </a:folHlink>
+    </a:clrScheme>
+    <a:fontScheme name="Escritório">
+      <a:majorFont>
+        <a:latin typeface="Calibri"/>
+        <a:ea typeface=""/>
+        <a:cs typeface=""/>
+        <a:font script="Jpan" typeface="ＭＳ Ｐゴシック"/>
+        <a:font script="Hang" typeface="맑은 고딕"/>
+        <a:font script="Hans" typeface="宋体"/>
+        <a:font script="Hant" typeface="新細明體"/>
+        <a:font script="Arab" typeface="Times New Roman"/>
+        <a:font script="Hebr" typeface="Times New Roman"/>
+        <a:font script="Thai" typeface="Angsana New"/>
+        <a:font script="Ethi" typeface="Nyala"/>
+        <a:font script="Beng" typeface="Vrinda"/>
+        <a:font script="Gujr" typeface="Shruti"/>
+        <a:font script="Khmr" typeface="MoolBoran"/>
+        <a:font script="Knda" typeface="Tunga"/>
+        <a:font script="Guru" typeface="Raavi"/>
+        <a:font script="Cans" typeface="Euphemia"/>
+        <a:font script="Cher" typeface="Plantagenet Cherokee"/>
+        <a:font script="Yiii" typeface="Microsoft Yi Baiti"/>
+        <a:font script="Tibt" typeface="Microsoft Himalaya"/>
+        <a:font script="Thaa" typeface="MV Boli"/>
+        <a:font script="Deva" typeface="Mangal"/>
+        <a:font script="Telu" typeface="Gautami"/>
+        <a:font script="Taml" typeface="Latha"/>
+        <a:font script="Syrc" typeface="Estrangelo Edessa"/>
+        <a:font script="Orya" typeface="Kalinga"/>
+        <a:font script="Mlym" typeface="Kartika"/>
+        <a:font script="Laoo" typeface="DokChampa"/>
+        <a:font script="Sinh" typeface="Iskoola Pota"/>
+        <a:font script="Mong" typeface="Mongolian Baiti"/>
+        <a:font script="Viet" typeface="Times New Roman"/>
+        <a:font script="Uigh" typeface="Microsoft Uighur"/>
+      </a:majorFont>
+      <a:minorFont>
+        <a:latin typeface="Calibri"/>
+        <a:ea typeface=""/>
+        <a:cs typeface=""/>
+        <a:font script="Jpan" typeface="ＭＳ Ｐゴシック"/>
+        <a:font script="Hang" typeface="맑은 고딕"/>
+        <a:font script="Hans" typeface="宋体"/>
+        <a:font script="Hant" typeface="新細明體"/>
+        <a:font script="Arab" typeface="Arial"/>
+        <a:font script="Hebr" typeface="Arial"/>
+        <a:font script="Thai" typeface="Cordia New"/>
+        <a:font script="Ethi" typeface="Nyala"/>
+        <a:font script="Beng" typeface="Vrinda"/>
+        <a:font script="Gujr" typeface="Shruti"/>
+        <a:font script="Khmr" typeface="DaunPenh"/>
+        <a:font script="Knda" typeface="Tunga"/>
+        <a:font script="Guru" typeface="Raavi"/>
+        <a:font script="Cans" typeface="Euphemia"/>
+        <a:font script="Cher" typeface="Plantagenet Cherokee"/>
+        <a:font script="Yiii" typeface="Microsoft Yi Baiti"/>
+        <a:font script="Tibt" typeface="Microsoft Himalaya"/>
+        <a:font script="Thaa" typeface="MV Boli"/>
+        <a:font script="Deva" typeface="Mangal"/>
+        <a:font script="Telu" typeface="Gautami"/>
+        <a:font script="Taml" typeface="Latha"/>
+        <a:font script="Syrc" typeface="Estrangelo Edessa"/>
+        <a:font script="Orya" typeface="Kalinga"/>
+        <a:font script="Mlym" typeface="Kartika"/>
+        <a:font script="Laoo" typeface="DokChampa"/>
+        <a:font script="Sinh" typeface="Iskoola Pota"/>
+        <a:font script="Mong" typeface="Mongolian Baiti"/>
+        <a:font script="Viet" typeface="Arial"/>
+        <a:font script="Uigh" typeface="Microsoft Uighur"/>
+      </a:minorFont>
+    </a:fontScheme>
+    <a:fmtScheme name="Escritório">
+      <a:fillStyleLst>
+        <a:solidFill>
+          <a:schemeClr val="phClr"/>
+        </a:solidFill>
+        <a:gradFill rotWithShape="1">
+          <a:gsLst>
+            <a:gs pos="0">
+              <a:schemeClr val="phClr">
+                <a:tint val="50000"/>
+                <a:satMod val="300000"/>
+              </a:schemeClr>
+            </a:gs>
+            <a:gs pos="35000">
+              <a:schemeClr val="phClr">
+                <a:tint val="37000"/>
+                <a:satMod val="300000"/>
+              </a:schemeClr>
+            </a:gs>
+            <a:gs pos="100000">
+              <a:schemeClr val="phClr">
+                <a:tint val="15000"/>
+                <a:satMod val="350000"/>
+              </a:schemeClr>
+            </a:gs>
+          </a:gsLst>
+          <a:lin ang="16200000" scaled="1"/>
+        </a:gradFill>
+        <a:gradFill rotWithShape="1">
+          <a:gsLst>
+            <a:gs pos="0">
+              <a:schemeClr val="phClr">
+                <a:shade val="51000"/>
+                <a:satMod val="130000"/>
+              </a:schemeClr>
+            </a:gs>
+            <a:gs pos="80000">
+              <a:schemeClr val="phClr">
+                <a:shade val="93000"/>
+                <a:satMod val="130000"/>
+              </a:schemeClr>
+            </a:gs>
+            <a:gs pos="100000">
+              <a:schemeClr val="phClr">
+                <a:shade val="94000"/>
+                <a:satMod val="135000"/>
+              </a:schemeClr>
+            </a:gs>
+          </a:gsLst>
+          <a:lin ang="16200000" scaled="0"/>
+        </a:gradFill>
+      </a:fillStyleLst>
+      <a:lnStyleLst>
+        <a:ln w="9525" cap="flat" cmpd="sng" algn="ctr">
+          <a:solidFill>
+            <a:schemeClr val="phClr">
+              <a:shade val="95000"/>
+              <a:satMod val="105000"/>
+            </a:schemeClr>
+          </a:solidFill>
+          <a:prstDash val="solid"/>
+        </a:ln>
+        <a:ln w="25400" cap="flat" cmpd="sng" algn="ctr">
+          <a:solidFill>
+            <a:schemeClr val="phClr"/>
+          </a:solidFill>
+          <a:prstDash val="solid"/>
+        </a:ln>
+        <a:ln w="38100" cap="flat" cmpd="sng" algn="ctr">
+          <a:solidFill>
+            <a:schemeClr val="phClr"/>
+          </a:solidFill>
+          <a:prstDash val="solid"/>
+        </a:ln>
+      </a:lnStyleLst>
+      <a:effectStyleLst>
+        <a:effectStyle>
+          <a:effectLst>
+            <a:outerShdw blurRad="40000" dist="20000" dir="5400000" rotWithShape="0">
+              <a:srgbClr val="000000">
+                <a:alpha val="38000"/>
+              </a:srgbClr>
+            </a:outerShdw>
+          </a:effectLst>
+        </a:effectStyle>
+        <a:effectStyle>
+          <a:effectLst>
+            <a:outerShdw blurRad="40000" dist="23000" dir="5400000" rotWithShape="0">
+              <a:srgbClr val="000000">
+                <a:alpha val="35000"/>
+              </a:srgbClr>
+            </a:outerShdw>
+          </a:effectLst>
+        </a:effectStyle>
+        <a:effectStyle>
+          <a:effectLst>
+            <a:outerShdw blurRad="40000" dist="23000" dir="5400000" rotWithShape="0">
+              <a:srgbClr val="000000">
+                <a:alpha val="35000"/>
+              </a:srgbClr>
+            </a:outerShdw>
+          </a:effectLst>
+          <a:scene3d>
+            <a:camera prst="orthographicFront">
+              <a:rot lat="0" lon="0" rev="0"/>
+            </a:camera>
+            <a:lightRig rig="threePt" dir="t">
+              <a:rot lat="0" lon="0" rev="1200000"/>
+            </a:lightRig>
+          </a:scene3d>
+          <a:sp3d>
+            <a:bevelT w="63500" h="25400"/>
+          </a:sp3d>
+        </a:effectStyle>
+      </a:effectStyleLst>
+      <a:bgFillStyleLst>
+        <a:solidFill>
+          <a:schemeClr val="phClr"/>
+        </a:solidFill>
+        <a:gradFill rotWithShape="1">
+          <a:gsLst>
+            <a:gs pos="0">
+              <a:schemeClr val="phClr">
+                <a:tint val="40000"/>
+                <a:satMod val="350000"/>
+              </a:schemeClr>
+            </a:gs>
+            <a:gs pos="40000">
+              <a:schemeClr val="phClr">
+                <a:tint val="45000"/>
+                <a:shade val="99000"/>
+                <a:satMod val="350000"/>
+              </a:schemeClr>
+            </a:gs>
+            <a:gs pos="100000">
+              <a:schemeClr val="phClr">
+                <a:shade val="20000"/>
+                <a:satMod val="255000"/>
+              </a:schemeClr>
+            </a:gs>
+          </a:gsLst>
+          <a:path path="circle">
+            <a:fillToRect l="50000" t="-80000" r="50000" b="180000"/>
+          </a:path>
+        </a:gradFill>
+        <a:gradFill rotWithShape="1">
+          <a:gsLst>
+            <a:gs pos="0">
+              <a:schemeClr val="phClr">
+                <a:tint val="80000"/>
+                <a:satMod val="300000"/>
+              </a:schemeClr>
+            </a:gs>
+            <a:gs pos="100000">
+              <a:schemeClr val="phClr">
+                <a:shade val="30000"/>
+                <a:satMod val="200000"/>
+              </a:schemeClr>
+            </a:gs>
+          </a:gsLst>
+          <a:path path="circle">
+            <a:fillToRect l="50000" t="50000" r="50000" b="50000"/>
+          </a:path>
+        </a:gradFill>
+      </a:bgFillStyleLst>
+    </a:fmtScheme>
+  </a:themeElements>
+  <a:objectDefaults/>
+  <a:extraClrSchemeLst/>
+</a:theme>
 </file>